--- a/서울콘 ppt v1.pptx
+++ b/서울콘 ppt v1.pptx
@@ -4,6 +4,9 @@
   <p:sldMasterIdLst>
     <p:sldMasterId id="2147483648" r:id="rId1"/>
   </p:sldMasterIdLst>
+  <p:notesMasterIdLst>
+    <p:notesMasterId r:id="rId21"/>
+  </p:notesMasterIdLst>
   <p:sldIdLst>
     <p:sldId id="256" r:id="rId2"/>
     <p:sldId id="257" r:id="rId3"/>
@@ -11,22 +14,19 @@
     <p:sldId id="259" r:id="rId5"/>
     <p:sldId id="260" r:id="rId6"/>
     <p:sldId id="261" r:id="rId7"/>
-    <p:sldId id="262" r:id="rId8"/>
-    <p:sldId id="279" r:id="rId9"/>
-    <p:sldId id="263" r:id="rId10"/>
-    <p:sldId id="264" r:id="rId11"/>
-    <p:sldId id="265" r:id="rId12"/>
-    <p:sldId id="280" r:id="rId13"/>
-    <p:sldId id="266" r:id="rId14"/>
-    <p:sldId id="281" r:id="rId15"/>
-    <p:sldId id="267" r:id="rId16"/>
-    <p:sldId id="274" r:id="rId17"/>
-    <p:sldId id="282" r:id="rId18"/>
-    <p:sldId id="283" r:id="rId19"/>
-    <p:sldId id="275" r:id="rId20"/>
-    <p:sldId id="276" r:id="rId21"/>
-    <p:sldId id="277" r:id="rId22"/>
-    <p:sldId id="278" r:id="rId23"/>
+    <p:sldId id="284" r:id="rId8"/>
+    <p:sldId id="262" r:id="rId9"/>
+    <p:sldId id="279" r:id="rId10"/>
+    <p:sldId id="263" r:id="rId11"/>
+    <p:sldId id="264" r:id="rId12"/>
+    <p:sldId id="267" r:id="rId13"/>
+    <p:sldId id="274" r:id="rId14"/>
+    <p:sldId id="282" r:id="rId15"/>
+    <p:sldId id="283" r:id="rId16"/>
+    <p:sldId id="275" r:id="rId17"/>
+    <p:sldId id="276" r:id="rId18"/>
+    <p:sldId id="277" r:id="rId19"/>
+    <p:sldId id="278" r:id="rId20"/>
   </p:sldIdLst>
   <p:sldSz cx="12192000" cy="6858000"/>
   <p:notesSz cx="6858000" cy="9144000"/>
@@ -125,7 +125,653 @@
       </a:defRPr>
     </a:lvl9pPr>
   </p:defaultTextStyle>
+  <p:extLst>
+    <p:ext uri="{EFAFB233-063F-42B5-8137-9DF3F51BA10A}">
+      <p15:sldGuideLst xmlns:p15="http://schemas.microsoft.com/office/powerpoint/2012/main"/>
+    </p:ext>
+  </p:extLst>
 </p:presentation>
+</file>
+
+<file path=ppt/notesMasters/notesMaster1.xml><?xml version="1.0" encoding="utf-8"?>
+<p:notesMaster xmlns:a="http://schemas.openxmlformats.org/drawingml/2006/main" xmlns:r="http://schemas.openxmlformats.org/officeDocument/2006/relationships" xmlns:p="http://schemas.openxmlformats.org/presentationml/2006/main">
+  <p:cSld>
+    <p:bg>
+      <p:bgRef idx="1001">
+        <a:schemeClr val="bg1"/>
+      </p:bgRef>
+    </p:bg>
+    <p:spTree>
+      <p:nvGrpSpPr>
+        <p:cNvPr id="1" name=""/>
+        <p:cNvGrpSpPr/>
+        <p:nvPr/>
+      </p:nvGrpSpPr>
+      <p:grpSpPr>
+        <a:xfrm>
+          <a:off x="0" y="0"/>
+          <a:ext cx="0" cy="0"/>
+          <a:chOff x="0" y="0"/>
+          <a:chExt cx="0" cy="0"/>
+        </a:xfrm>
+      </p:grpSpPr>
+      <p:sp>
+        <p:nvSpPr>
+          <p:cNvPr id="2" name="머리글 개체 틀 1"/>
+          <p:cNvSpPr>
+            <a:spLocks noGrp="1"/>
+          </p:cNvSpPr>
+          <p:nvPr>
+            <p:ph type="hdr" sz="quarter"/>
+          </p:nvPr>
+        </p:nvSpPr>
+        <p:spPr>
+          <a:xfrm>
+            <a:off x="0" y="0"/>
+            <a:ext cx="2971800" cy="458788"/>
+          </a:xfrm>
+          <a:prstGeom prst="rect">
+            <a:avLst/>
+          </a:prstGeom>
+        </p:spPr>
+        <p:txBody>
+          <a:bodyPr vert="horz" lIns="91440" tIns="45720" rIns="91440" bIns="45720" rtlCol="0"/>
+          <a:lstStyle>
+            <a:lvl1pPr algn="l">
+              <a:defRPr sz="1200"/>
+            </a:lvl1pPr>
+          </a:lstStyle>
+          <a:p>
+            <a:endParaRPr lang="ko-KR" altLang="en-US"/>
+          </a:p>
+        </p:txBody>
+      </p:sp>
+      <p:sp>
+        <p:nvSpPr>
+          <p:cNvPr id="3" name="날짜 개체 틀 2"/>
+          <p:cNvSpPr>
+            <a:spLocks noGrp="1"/>
+          </p:cNvSpPr>
+          <p:nvPr>
+            <p:ph type="dt" idx="1"/>
+          </p:nvPr>
+        </p:nvSpPr>
+        <p:spPr>
+          <a:xfrm>
+            <a:off x="3884613" y="0"/>
+            <a:ext cx="2971800" cy="458788"/>
+          </a:xfrm>
+          <a:prstGeom prst="rect">
+            <a:avLst/>
+          </a:prstGeom>
+        </p:spPr>
+        <p:txBody>
+          <a:bodyPr vert="horz" lIns="91440" tIns="45720" rIns="91440" bIns="45720" rtlCol="0"/>
+          <a:lstStyle>
+            <a:lvl1pPr algn="r">
+              <a:defRPr sz="1200"/>
+            </a:lvl1pPr>
+          </a:lstStyle>
+          <a:p>
+            <a:fld id="{0BF5D185-3C29-486B-BC8B-9172DA80E0D3}" type="datetimeFigureOut">
+              <a:rPr lang="ko-KR" altLang="en-US" smtClean="0"/>
+              <a:t>2020-10-07</a:t>
+            </a:fld>
+            <a:endParaRPr lang="ko-KR" altLang="en-US"/>
+          </a:p>
+        </p:txBody>
+      </p:sp>
+      <p:sp>
+        <p:nvSpPr>
+          <p:cNvPr id="4" name="슬라이드 이미지 개체 틀 3"/>
+          <p:cNvSpPr>
+            <a:spLocks noGrp="1" noRot="1" noChangeAspect="1"/>
+          </p:cNvSpPr>
+          <p:nvPr>
+            <p:ph type="sldImg" idx="2"/>
+          </p:nvPr>
+        </p:nvSpPr>
+        <p:spPr>
+          <a:xfrm>
+            <a:off x="685800" y="1143000"/>
+            <a:ext cx="5486400" cy="3086100"/>
+          </a:xfrm>
+          <a:prstGeom prst="rect">
+            <a:avLst/>
+          </a:prstGeom>
+          <a:noFill/>
+          <a:ln w="12700">
+            <a:solidFill>
+              <a:prstClr val="black"/>
+            </a:solidFill>
+          </a:ln>
+        </p:spPr>
+        <p:txBody>
+          <a:bodyPr vert="horz" lIns="91440" tIns="45720" rIns="91440" bIns="45720" rtlCol="0" anchor="ctr"/>
+          <a:lstStyle/>
+          <a:p>
+            <a:endParaRPr lang="ko-KR" altLang="en-US"/>
+          </a:p>
+        </p:txBody>
+      </p:sp>
+      <p:sp>
+        <p:nvSpPr>
+          <p:cNvPr id="5" name="슬라이드 노트 개체 틀 4"/>
+          <p:cNvSpPr>
+            <a:spLocks noGrp="1"/>
+          </p:cNvSpPr>
+          <p:nvPr>
+            <p:ph type="body" sz="quarter" idx="3"/>
+          </p:nvPr>
+        </p:nvSpPr>
+        <p:spPr>
+          <a:xfrm>
+            <a:off x="685800" y="4400550"/>
+            <a:ext cx="5486400" cy="3600450"/>
+          </a:xfrm>
+          <a:prstGeom prst="rect">
+            <a:avLst/>
+          </a:prstGeom>
+        </p:spPr>
+        <p:txBody>
+          <a:bodyPr vert="horz" lIns="91440" tIns="45720" rIns="91440" bIns="45720" rtlCol="0"/>
+          <a:lstStyle/>
+          <a:p>
+            <a:pPr lvl="0"/>
+            <a:r>
+              <a:rPr lang="ko-KR" altLang="en-US"/>
+              <a:t>마스터 텍스트 스타일을 편집하려면 클릭</a:t>
+            </a:r>
+          </a:p>
+          <a:p>
+            <a:pPr lvl="1"/>
+            <a:r>
+              <a:rPr lang="ko-KR" altLang="en-US"/>
+              <a:t>두 번째 수준</a:t>
+            </a:r>
+          </a:p>
+          <a:p>
+            <a:pPr lvl="2"/>
+            <a:r>
+              <a:rPr lang="ko-KR" altLang="en-US"/>
+              <a:t>세 번째 수준</a:t>
+            </a:r>
+          </a:p>
+          <a:p>
+            <a:pPr lvl="3"/>
+            <a:r>
+              <a:rPr lang="ko-KR" altLang="en-US"/>
+              <a:t>네 번째 수준</a:t>
+            </a:r>
+          </a:p>
+          <a:p>
+            <a:pPr lvl="4"/>
+            <a:r>
+              <a:rPr lang="ko-KR" altLang="en-US"/>
+              <a:t>다섯 번째 수준</a:t>
+            </a:r>
+          </a:p>
+        </p:txBody>
+      </p:sp>
+      <p:sp>
+        <p:nvSpPr>
+          <p:cNvPr id="6" name="바닥글 개체 틀 5"/>
+          <p:cNvSpPr>
+            <a:spLocks noGrp="1"/>
+          </p:cNvSpPr>
+          <p:nvPr>
+            <p:ph type="ftr" sz="quarter" idx="4"/>
+          </p:nvPr>
+        </p:nvSpPr>
+        <p:spPr>
+          <a:xfrm>
+            <a:off x="0" y="8685213"/>
+            <a:ext cx="2971800" cy="458787"/>
+          </a:xfrm>
+          <a:prstGeom prst="rect">
+            <a:avLst/>
+          </a:prstGeom>
+        </p:spPr>
+        <p:txBody>
+          <a:bodyPr vert="horz" lIns="91440" tIns="45720" rIns="91440" bIns="45720" rtlCol="0" anchor="b"/>
+          <a:lstStyle>
+            <a:lvl1pPr algn="l">
+              <a:defRPr sz="1200"/>
+            </a:lvl1pPr>
+          </a:lstStyle>
+          <a:p>
+            <a:endParaRPr lang="ko-KR" altLang="en-US"/>
+          </a:p>
+        </p:txBody>
+      </p:sp>
+      <p:sp>
+        <p:nvSpPr>
+          <p:cNvPr id="7" name="슬라이드 번호 개체 틀 6"/>
+          <p:cNvSpPr>
+            <a:spLocks noGrp="1"/>
+          </p:cNvSpPr>
+          <p:nvPr>
+            <p:ph type="sldNum" sz="quarter" idx="5"/>
+          </p:nvPr>
+        </p:nvSpPr>
+        <p:spPr>
+          <a:xfrm>
+            <a:off x="3884613" y="8685213"/>
+            <a:ext cx="2971800" cy="458787"/>
+          </a:xfrm>
+          <a:prstGeom prst="rect">
+            <a:avLst/>
+          </a:prstGeom>
+        </p:spPr>
+        <p:txBody>
+          <a:bodyPr vert="horz" lIns="91440" tIns="45720" rIns="91440" bIns="45720" rtlCol="0" anchor="b"/>
+          <a:lstStyle>
+            <a:lvl1pPr algn="r">
+              <a:defRPr sz="1200"/>
+            </a:lvl1pPr>
+          </a:lstStyle>
+          <a:p>
+            <a:fld id="{9BD055E4-C5A0-4C57-87FB-8B202451F21C}" type="slidenum">
+              <a:rPr lang="ko-KR" altLang="en-US" smtClean="0"/>
+              <a:t>‹#›</a:t>
+            </a:fld>
+            <a:endParaRPr lang="ko-KR" altLang="en-US"/>
+          </a:p>
+        </p:txBody>
+      </p:sp>
+    </p:spTree>
+    <p:extLst>
+      <p:ext uri="{BB962C8B-B14F-4D97-AF65-F5344CB8AC3E}">
+        <p14:creationId xmlns:p14="http://schemas.microsoft.com/office/powerpoint/2010/main" val="2017055653"/>
+      </p:ext>
+    </p:extLst>
+  </p:cSld>
+  <p:clrMap bg1="lt1" tx1="dk1" bg2="lt2" tx2="dk2" accent1="accent1" accent2="accent2" accent3="accent3" accent4="accent4" accent5="accent5" accent6="accent6" hlink="hlink" folHlink="folHlink"/>
+  <p:notesStyle>
+    <a:lvl1pPr marL="0" algn="l" defTabSz="914400" rtl="0" eaLnBrk="1" latinLnBrk="1" hangingPunct="1">
+      <a:defRPr sz="1200" kern="1200">
+        <a:solidFill>
+          <a:schemeClr val="tx1"/>
+        </a:solidFill>
+        <a:latin typeface="+mn-lt"/>
+        <a:ea typeface="+mn-ea"/>
+        <a:cs typeface="+mn-cs"/>
+      </a:defRPr>
+    </a:lvl1pPr>
+    <a:lvl2pPr marL="457200" algn="l" defTabSz="914400" rtl="0" eaLnBrk="1" latinLnBrk="1" hangingPunct="1">
+      <a:defRPr sz="1200" kern="1200">
+        <a:solidFill>
+          <a:schemeClr val="tx1"/>
+        </a:solidFill>
+        <a:latin typeface="+mn-lt"/>
+        <a:ea typeface="+mn-ea"/>
+        <a:cs typeface="+mn-cs"/>
+      </a:defRPr>
+    </a:lvl2pPr>
+    <a:lvl3pPr marL="914400" algn="l" defTabSz="914400" rtl="0" eaLnBrk="1" latinLnBrk="1" hangingPunct="1">
+      <a:defRPr sz="1200" kern="1200">
+        <a:solidFill>
+          <a:schemeClr val="tx1"/>
+        </a:solidFill>
+        <a:latin typeface="+mn-lt"/>
+        <a:ea typeface="+mn-ea"/>
+        <a:cs typeface="+mn-cs"/>
+      </a:defRPr>
+    </a:lvl3pPr>
+    <a:lvl4pPr marL="1371600" algn="l" defTabSz="914400" rtl="0" eaLnBrk="1" latinLnBrk="1" hangingPunct="1">
+      <a:defRPr sz="1200" kern="1200">
+        <a:solidFill>
+          <a:schemeClr val="tx1"/>
+        </a:solidFill>
+        <a:latin typeface="+mn-lt"/>
+        <a:ea typeface="+mn-ea"/>
+        <a:cs typeface="+mn-cs"/>
+      </a:defRPr>
+    </a:lvl4pPr>
+    <a:lvl5pPr marL="1828800" algn="l" defTabSz="914400" rtl="0" eaLnBrk="1" latinLnBrk="1" hangingPunct="1">
+      <a:defRPr sz="1200" kern="1200">
+        <a:solidFill>
+          <a:schemeClr val="tx1"/>
+        </a:solidFill>
+        <a:latin typeface="+mn-lt"/>
+        <a:ea typeface="+mn-ea"/>
+        <a:cs typeface="+mn-cs"/>
+      </a:defRPr>
+    </a:lvl5pPr>
+    <a:lvl6pPr marL="2286000" algn="l" defTabSz="914400" rtl="0" eaLnBrk="1" latinLnBrk="1" hangingPunct="1">
+      <a:defRPr sz="1200" kern="1200">
+        <a:solidFill>
+          <a:schemeClr val="tx1"/>
+        </a:solidFill>
+        <a:latin typeface="+mn-lt"/>
+        <a:ea typeface="+mn-ea"/>
+        <a:cs typeface="+mn-cs"/>
+      </a:defRPr>
+    </a:lvl6pPr>
+    <a:lvl7pPr marL="2743200" algn="l" defTabSz="914400" rtl="0" eaLnBrk="1" latinLnBrk="1" hangingPunct="1">
+      <a:defRPr sz="1200" kern="1200">
+        <a:solidFill>
+          <a:schemeClr val="tx1"/>
+        </a:solidFill>
+        <a:latin typeface="+mn-lt"/>
+        <a:ea typeface="+mn-ea"/>
+        <a:cs typeface="+mn-cs"/>
+      </a:defRPr>
+    </a:lvl7pPr>
+    <a:lvl8pPr marL="3200400" algn="l" defTabSz="914400" rtl="0" eaLnBrk="1" latinLnBrk="1" hangingPunct="1">
+      <a:defRPr sz="1200" kern="1200">
+        <a:solidFill>
+          <a:schemeClr val="tx1"/>
+        </a:solidFill>
+        <a:latin typeface="+mn-lt"/>
+        <a:ea typeface="+mn-ea"/>
+        <a:cs typeface="+mn-cs"/>
+      </a:defRPr>
+    </a:lvl8pPr>
+    <a:lvl9pPr marL="3657600" algn="l" defTabSz="914400" rtl="0" eaLnBrk="1" latinLnBrk="1" hangingPunct="1">
+      <a:defRPr sz="1200" kern="1200">
+        <a:solidFill>
+          <a:schemeClr val="tx1"/>
+        </a:solidFill>
+        <a:latin typeface="+mn-lt"/>
+        <a:ea typeface="+mn-ea"/>
+        <a:cs typeface="+mn-cs"/>
+      </a:defRPr>
+    </a:lvl9pPr>
+  </p:notesStyle>
+</p:notesMaster>
+</file>
+
+<file path=ppt/notesSlides/notesSlide1.xml><?xml version="1.0" encoding="utf-8"?>
+<p:notes xmlns:a="http://schemas.openxmlformats.org/drawingml/2006/main" xmlns:r="http://schemas.openxmlformats.org/officeDocument/2006/relationships" xmlns:p="http://schemas.openxmlformats.org/presentationml/2006/main">
+  <p:cSld>
+    <p:spTree>
+      <p:nvGrpSpPr>
+        <p:cNvPr id="1" name=""/>
+        <p:cNvGrpSpPr/>
+        <p:nvPr/>
+      </p:nvGrpSpPr>
+      <p:grpSpPr>
+        <a:xfrm>
+          <a:off x="0" y="0"/>
+          <a:ext cx="0" cy="0"/>
+          <a:chOff x="0" y="0"/>
+          <a:chExt cx="0" cy="0"/>
+        </a:xfrm>
+      </p:grpSpPr>
+      <p:sp>
+        <p:nvSpPr>
+          <p:cNvPr id="2" name="슬라이드 이미지 개체 틀 1"/>
+          <p:cNvSpPr>
+            <a:spLocks noGrp="1" noRot="1" noChangeAspect="1"/>
+          </p:cNvSpPr>
+          <p:nvPr>
+            <p:ph type="sldImg"/>
+          </p:nvPr>
+        </p:nvSpPr>
+        <p:spPr/>
+      </p:sp>
+      <p:sp>
+        <p:nvSpPr>
+          <p:cNvPr id="3" name="슬라이드 노트 개체 틀 2"/>
+          <p:cNvSpPr>
+            <a:spLocks noGrp="1"/>
+          </p:cNvSpPr>
+          <p:nvPr>
+            <p:ph type="body" idx="1"/>
+          </p:nvPr>
+        </p:nvSpPr>
+        <p:spPr/>
+        <p:txBody>
+          <a:bodyPr/>
+          <a:lstStyle/>
+          <a:p>
+            <a:pPr marL="0" marR="0" lvl="0" indent="0" algn="l" defTabSz="914400" rtl="0" eaLnBrk="1" fontAlgn="auto" latinLnBrk="1" hangingPunct="1">
+              <a:lnSpc>
+                <a:spcPct val="100000"/>
+              </a:lnSpc>
+              <a:spcBef>
+                <a:spcPts val="0"/>
+              </a:spcBef>
+              <a:spcAft>
+                <a:spcPts val="0"/>
+              </a:spcAft>
+              <a:buClrTx/>
+              <a:buSzTx/>
+              <a:buFontTx/>
+              <a:buNone/>
+              <a:tabLst/>
+              <a:defRPr/>
+            </a:pPr>
+            <a:r>
+              <a:rPr lang="ko-KR" altLang="en-US" dirty="0"/>
+              <a:t>기사</a:t>
+            </a:r>
+            <a:r>
+              <a:rPr lang="en-US" altLang="ko-KR" dirty="0"/>
+              <a:t>: </a:t>
+            </a:r>
+            <a:r>
+              <a:rPr lang="ko-KR" altLang="en-US" dirty="0"/>
+              <a:t>시사저널</a:t>
+            </a:r>
+            <a:r>
+              <a:rPr lang="en-US" altLang="ko-KR" dirty="0"/>
+              <a:t> http://www.sisajournal.com/news/articleView.html?idxno=205386</a:t>
+            </a:r>
+          </a:p>
+          <a:p>
+            <a:pPr marL="0" marR="0" lvl="0" indent="0" algn="l" defTabSz="914400" rtl="0" eaLnBrk="1" fontAlgn="auto" latinLnBrk="1" hangingPunct="1">
+              <a:lnSpc>
+                <a:spcPct val="100000"/>
+              </a:lnSpc>
+              <a:spcBef>
+                <a:spcPts val="0"/>
+              </a:spcBef>
+              <a:spcAft>
+                <a:spcPts val="0"/>
+              </a:spcAft>
+              <a:buClrTx/>
+              <a:buSzTx/>
+              <a:buFontTx/>
+              <a:buNone/>
+              <a:tabLst/>
+              <a:defRPr/>
+            </a:pPr>
+            <a:r>
+              <a:rPr lang="ko-KR" altLang="en-US" dirty="0"/>
+              <a:t>논문</a:t>
+            </a:r>
+            <a:r>
+              <a:rPr lang="en-US" altLang="ko-KR" dirty="0"/>
+              <a:t>: </a:t>
+            </a:r>
+            <a:r>
+              <a:rPr lang="ko-KR" altLang="en-US" b="1" i="0" u="none" strike="noStrike" dirty="0">
+                <a:solidFill>
+                  <a:srgbClr val="000000"/>
+                </a:solidFill>
+                <a:effectLst/>
+                <a:latin typeface="Noto Sans KR"/>
+              </a:rPr>
+              <a:t>코로나</a:t>
+            </a:r>
+            <a:r>
+              <a:rPr lang="en-US" altLang="ko-KR" b="1" i="0" u="none" strike="noStrike" dirty="0">
+                <a:solidFill>
+                  <a:srgbClr val="000000"/>
+                </a:solidFill>
+                <a:effectLst/>
+                <a:latin typeface="Noto Sans KR"/>
+              </a:rPr>
+              <a:t>19</a:t>
+            </a:r>
+            <a:r>
+              <a:rPr lang="ko-KR" altLang="en-US" b="1" i="0" u="none" strike="noStrike" dirty="0">
+                <a:solidFill>
+                  <a:srgbClr val="000000"/>
+                </a:solidFill>
+                <a:effectLst/>
+                <a:latin typeface="Noto Sans KR"/>
+              </a:rPr>
+              <a:t>가 범죄에 미친 영향 </a:t>
+            </a:r>
+            <a:r>
+              <a:rPr lang="en-US" altLang="ko-KR" b="1" i="0" u="none" strike="noStrike" dirty="0">
+                <a:solidFill>
+                  <a:srgbClr val="000000"/>
+                </a:solidFill>
+                <a:effectLst/>
+                <a:latin typeface="Noto Sans KR"/>
+              </a:rPr>
+              <a:t>- 112 </a:t>
+            </a:r>
+            <a:r>
+              <a:rPr lang="ko-KR" altLang="en-US" b="1" i="0" u="none" strike="noStrike" dirty="0">
+                <a:solidFill>
+                  <a:srgbClr val="000000"/>
+                </a:solidFill>
+                <a:effectLst/>
+                <a:latin typeface="Noto Sans KR"/>
+              </a:rPr>
+              <a:t>신고 데이터를 중심으로 </a:t>
+            </a:r>
+            <a:r>
+              <a:rPr lang="en-US" altLang="ko-KR" b="1" i="0" u="none" strike="noStrike" dirty="0">
+                <a:solidFill>
+                  <a:srgbClr val="000000"/>
+                </a:solidFill>
+                <a:effectLst/>
+                <a:latin typeface="Noto Sans KR"/>
+              </a:rPr>
+              <a:t>-</a:t>
+            </a:r>
+            <a:r>
+              <a:rPr lang="en-US" altLang="ko-KR" dirty="0"/>
+              <a:t>http://www.earticle.net.ssl.access.hanyang.ac.kr/Article/A379821</a:t>
+            </a:r>
+            <a:endParaRPr lang="ko-KR" altLang="en-US" dirty="0"/>
+          </a:p>
+        </p:txBody>
+      </p:sp>
+      <p:sp>
+        <p:nvSpPr>
+          <p:cNvPr id="4" name="슬라이드 번호 개체 틀 3"/>
+          <p:cNvSpPr>
+            <a:spLocks noGrp="1"/>
+          </p:cNvSpPr>
+          <p:nvPr>
+            <p:ph type="sldNum" sz="quarter" idx="5"/>
+          </p:nvPr>
+        </p:nvSpPr>
+        <p:spPr/>
+        <p:txBody>
+          <a:bodyPr/>
+          <a:lstStyle/>
+          <a:p>
+            <a:fld id="{9BD055E4-C5A0-4C57-87FB-8B202451F21C}" type="slidenum">
+              <a:rPr lang="ko-KR" altLang="en-US" smtClean="0"/>
+              <a:t>3</a:t>
+            </a:fld>
+            <a:endParaRPr lang="ko-KR" altLang="en-US"/>
+          </a:p>
+        </p:txBody>
+      </p:sp>
+    </p:spTree>
+    <p:extLst>
+      <p:ext uri="{BB962C8B-B14F-4D97-AF65-F5344CB8AC3E}">
+        <p14:creationId xmlns:p14="http://schemas.microsoft.com/office/powerpoint/2010/main" val="3693709095"/>
+      </p:ext>
+    </p:extLst>
+  </p:cSld>
+  <p:clrMapOvr>
+    <a:masterClrMapping/>
+  </p:clrMapOvr>
+</p:notes>
+</file>
+
+<file path=ppt/notesSlides/notesSlide2.xml><?xml version="1.0" encoding="utf-8"?>
+<p:notes xmlns:a="http://schemas.openxmlformats.org/drawingml/2006/main" xmlns:r="http://schemas.openxmlformats.org/officeDocument/2006/relationships" xmlns:p="http://schemas.openxmlformats.org/presentationml/2006/main">
+  <p:cSld>
+    <p:spTree>
+      <p:nvGrpSpPr>
+        <p:cNvPr id="1" name=""/>
+        <p:cNvGrpSpPr/>
+        <p:nvPr/>
+      </p:nvGrpSpPr>
+      <p:grpSpPr>
+        <a:xfrm>
+          <a:off x="0" y="0"/>
+          <a:ext cx="0" cy="0"/>
+          <a:chOff x="0" y="0"/>
+          <a:chExt cx="0" cy="0"/>
+        </a:xfrm>
+      </p:grpSpPr>
+      <p:sp>
+        <p:nvSpPr>
+          <p:cNvPr id="2" name="슬라이드 이미지 개체 틀 1"/>
+          <p:cNvSpPr>
+            <a:spLocks noGrp="1" noRot="1" noChangeAspect="1"/>
+          </p:cNvSpPr>
+          <p:nvPr>
+            <p:ph type="sldImg"/>
+          </p:nvPr>
+        </p:nvSpPr>
+        <p:spPr/>
+      </p:sp>
+      <p:sp>
+        <p:nvSpPr>
+          <p:cNvPr id="3" name="슬라이드 노트 개체 틀 2"/>
+          <p:cNvSpPr>
+            <a:spLocks noGrp="1"/>
+          </p:cNvSpPr>
+          <p:nvPr>
+            <p:ph type="body" idx="1"/>
+          </p:nvPr>
+        </p:nvSpPr>
+        <p:spPr/>
+        <p:txBody>
+          <a:bodyPr/>
+          <a:lstStyle/>
+          <a:p>
+            <a:endParaRPr lang="ko-KR" altLang="en-US" dirty="0"/>
+          </a:p>
+        </p:txBody>
+      </p:sp>
+      <p:sp>
+        <p:nvSpPr>
+          <p:cNvPr id="4" name="슬라이드 번호 개체 틀 3"/>
+          <p:cNvSpPr>
+            <a:spLocks noGrp="1"/>
+          </p:cNvSpPr>
+          <p:nvPr>
+            <p:ph type="sldNum" sz="quarter" idx="5"/>
+          </p:nvPr>
+        </p:nvSpPr>
+        <p:spPr/>
+        <p:txBody>
+          <a:bodyPr/>
+          <a:lstStyle/>
+          <a:p>
+            <a:fld id="{9BD055E4-C5A0-4C57-87FB-8B202451F21C}" type="slidenum">
+              <a:rPr lang="ko-KR" altLang="en-US" smtClean="0"/>
+              <a:t>4</a:t>
+            </a:fld>
+            <a:endParaRPr lang="ko-KR" altLang="en-US"/>
+          </a:p>
+        </p:txBody>
+      </p:sp>
+    </p:spTree>
+    <p:extLst>
+      <p:ext uri="{BB962C8B-B14F-4D97-AF65-F5344CB8AC3E}">
+        <p14:creationId xmlns:p14="http://schemas.microsoft.com/office/powerpoint/2010/main" val="2521867400"/>
+      </p:ext>
+    </p:extLst>
+  </p:cSld>
+  <p:clrMapOvr>
+    <a:masterClrMapping/>
+  </p:clrMapOvr>
+</p:notes>
 </file>
 
 <file path=ppt/slideLayouts/slideLayout1.xml><?xml version="1.0" encoding="utf-8"?>
@@ -275,7 +921,7 @@
           <a:p>
             <a:fld id="{A3AE7381-912F-4F80-A23B-28F5D8A245B6}" type="datetimeFigureOut">
               <a:rPr lang="ko-KR" altLang="en-US" smtClean="0"/>
-              <a:t>2020-10-04</a:t>
+              <a:t>2020-10-07</a:t>
             </a:fld>
             <a:endParaRPr lang="ko-KR" altLang="en-US"/>
           </a:p>
@@ -473,7 +1119,7 @@
           <a:p>
             <a:fld id="{A3AE7381-912F-4F80-A23B-28F5D8A245B6}" type="datetimeFigureOut">
               <a:rPr lang="ko-KR" altLang="en-US" smtClean="0"/>
-              <a:t>2020-10-04</a:t>
+              <a:t>2020-10-07</a:t>
             </a:fld>
             <a:endParaRPr lang="ko-KR" altLang="en-US"/>
           </a:p>
@@ -681,7 +1327,7 @@
           <a:p>
             <a:fld id="{A3AE7381-912F-4F80-A23B-28F5D8A245B6}" type="datetimeFigureOut">
               <a:rPr lang="ko-KR" altLang="en-US" smtClean="0"/>
-              <a:t>2020-10-04</a:t>
+              <a:t>2020-10-07</a:t>
             </a:fld>
             <a:endParaRPr lang="ko-KR" altLang="en-US"/>
           </a:p>
@@ -879,7 +1525,7 @@
           <a:p>
             <a:fld id="{A3AE7381-912F-4F80-A23B-28F5D8A245B6}" type="datetimeFigureOut">
               <a:rPr lang="ko-KR" altLang="en-US" smtClean="0"/>
-              <a:t>2020-10-04</a:t>
+              <a:t>2020-10-07</a:t>
             </a:fld>
             <a:endParaRPr lang="ko-KR" altLang="en-US"/>
           </a:p>
@@ -1154,7 +1800,7 @@
           <a:p>
             <a:fld id="{A3AE7381-912F-4F80-A23B-28F5D8A245B6}" type="datetimeFigureOut">
               <a:rPr lang="ko-KR" altLang="en-US" smtClean="0"/>
-              <a:t>2020-10-04</a:t>
+              <a:t>2020-10-07</a:t>
             </a:fld>
             <a:endParaRPr lang="ko-KR" altLang="en-US"/>
           </a:p>
@@ -1419,7 +2065,7 @@
           <a:p>
             <a:fld id="{A3AE7381-912F-4F80-A23B-28F5D8A245B6}" type="datetimeFigureOut">
               <a:rPr lang="ko-KR" altLang="en-US" smtClean="0"/>
-              <a:t>2020-10-04</a:t>
+              <a:t>2020-10-07</a:t>
             </a:fld>
             <a:endParaRPr lang="ko-KR" altLang="en-US"/>
           </a:p>
@@ -1831,7 +2477,7 @@
           <a:p>
             <a:fld id="{A3AE7381-912F-4F80-A23B-28F5D8A245B6}" type="datetimeFigureOut">
               <a:rPr lang="ko-KR" altLang="en-US" smtClean="0"/>
-              <a:t>2020-10-04</a:t>
+              <a:t>2020-10-07</a:t>
             </a:fld>
             <a:endParaRPr lang="ko-KR" altLang="en-US"/>
           </a:p>
@@ -1972,7 +2618,7 @@
           <a:p>
             <a:fld id="{A3AE7381-912F-4F80-A23B-28F5D8A245B6}" type="datetimeFigureOut">
               <a:rPr lang="ko-KR" altLang="en-US" smtClean="0"/>
-              <a:t>2020-10-04</a:t>
+              <a:t>2020-10-07</a:t>
             </a:fld>
             <a:endParaRPr lang="ko-KR" altLang="en-US"/>
           </a:p>
@@ -2085,7 +2731,7 @@
           <a:p>
             <a:fld id="{A3AE7381-912F-4F80-A23B-28F5D8A245B6}" type="datetimeFigureOut">
               <a:rPr lang="ko-KR" altLang="en-US" smtClean="0"/>
-              <a:t>2020-10-04</a:t>
+              <a:t>2020-10-07</a:t>
             </a:fld>
             <a:endParaRPr lang="ko-KR" altLang="en-US"/>
           </a:p>
@@ -2396,7 +3042,7 @@
           <a:p>
             <a:fld id="{A3AE7381-912F-4F80-A23B-28F5D8A245B6}" type="datetimeFigureOut">
               <a:rPr lang="ko-KR" altLang="en-US" smtClean="0"/>
-              <a:t>2020-10-04</a:t>
+              <a:t>2020-10-07</a:t>
             </a:fld>
             <a:endParaRPr lang="ko-KR" altLang="en-US"/>
           </a:p>
@@ -2684,7 +3330,7 @@
           <a:p>
             <a:fld id="{A3AE7381-912F-4F80-A23B-28F5D8A245B6}" type="datetimeFigureOut">
               <a:rPr lang="ko-KR" altLang="en-US" smtClean="0"/>
-              <a:t>2020-10-04</a:t>
+              <a:t>2020-10-07</a:t>
             </a:fld>
             <a:endParaRPr lang="ko-KR" altLang="en-US"/>
           </a:p>
@@ -2925,7 +3571,7 @@
           <a:p>
             <a:fld id="{A3AE7381-912F-4F80-A23B-28F5D8A245B6}" type="datetimeFigureOut">
               <a:rPr lang="ko-KR" altLang="en-US" smtClean="0"/>
-              <a:t>2020-10-04</a:t>
+              <a:t>2020-10-07</a:t>
             </a:fld>
             <a:endParaRPr lang="ko-KR" altLang="en-US"/>
           </a:p>
@@ -3831,7 +4477,7 @@
           <a:p>
             <a:r>
               <a:rPr lang="ko-KR" altLang="en-US" dirty="0"/>
-              <a:t>모델</a:t>
+              <a:t>틈새</a:t>
             </a:r>
           </a:p>
         </p:txBody>
@@ -3859,11 +4505,39 @@
           <a:p>
             <a:r>
               <a:rPr lang="ko-KR" altLang="en-US" dirty="0"/>
-              <a:t>모델 결과분석 </a:t>
+              <a:t>틈새 시각화</a:t>
             </a:r>
             <a:r>
               <a:rPr lang="en-US" altLang="ko-KR" dirty="0"/>
-              <a:t>2</a:t>
+              <a:t>(</a:t>
+            </a:r>
+            <a:r>
+              <a:rPr lang="ko-KR" altLang="en-US" dirty="0" err="1"/>
+              <a:t>시간별유동인구</a:t>
+            </a:r>
+            <a:r>
+              <a:rPr lang="en-US" altLang="ko-KR" dirty="0"/>
+              <a:t>/</a:t>
+            </a:r>
+            <a:r>
+              <a:rPr lang="ko-KR" altLang="en-US" dirty="0"/>
+              <a:t>표</a:t>
+            </a:r>
+            <a:r>
+              <a:rPr lang="en-US" altLang="ko-KR" dirty="0"/>
+              <a:t>/</a:t>
+            </a:r>
+            <a:r>
+              <a:rPr lang="ko-KR" altLang="en-US" dirty="0" err="1"/>
+              <a:t>웹크롤링</a:t>
+            </a:r>
+            <a:r>
+              <a:rPr lang="ko-KR" altLang="en-US" dirty="0"/>
+              <a:t> 등</a:t>
+            </a:r>
+            <a:r>
+              <a:rPr lang="en-US" altLang="ko-KR" dirty="0"/>
+              <a:t>)</a:t>
             </a:r>
             <a:endParaRPr lang="ko-KR" altLang="en-US" dirty="0"/>
           </a:p>
@@ -3872,7 +4546,7 @@
     </p:spTree>
     <p:extLst>
       <p:ext uri="{BB962C8B-B14F-4D97-AF65-F5344CB8AC3E}">
-        <p14:creationId xmlns:p14="http://schemas.microsoft.com/office/powerpoint/2010/main" val="340102304"/>
+        <p14:creationId xmlns:p14="http://schemas.microsoft.com/office/powerpoint/2010/main" val="2699241355"/>
       </p:ext>
     </p:extLst>
   </p:cSld>
@@ -3921,99 +4595,41 @@
           <a:lstStyle/>
           <a:p>
             <a:r>
-              <a:rPr lang="ko-KR" altLang="en-US" dirty="0" err="1"/>
-              <a:t>행정동별</a:t>
-            </a:r>
-            <a:r>
               <a:rPr lang="ko-KR" altLang="en-US" dirty="0"/>
-              <a:t> </a:t>
-            </a:r>
-            <a:r>
-              <a:rPr lang="ko-KR" altLang="en-US" dirty="0" err="1"/>
-              <a:t>돌봄수요예측</a:t>
-            </a:r>
+              <a:t>최적입지추천</a:t>
+            </a:r>
+          </a:p>
+        </p:txBody>
+      </p:sp>
+      <p:sp>
+        <p:nvSpPr>
+          <p:cNvPr id="3" name="내용 개체 틀 2">
+            <a:extLst>
+              <a:ext uri="{FF2B5EF4-FFF2-40B4-BE49-F238E27FC236}">
+                <a16:creationId xmlns:a16="http://schemas.microsoft.com/office/drawing/2014/main" id="{62C4ACB3-65B5-4F03-9AB8-5D48E7257DDC}"/>
+              </a:ext>
+            </a:extLst>
+          </p:cNvPr>
+          <p:cNvSpPr>
+            <a:spLocks noGrp="1"/>
+          </p:cNvSpPr>
+          <p:nvPr>
+            <p:ph idx="1"/>
+          </p:nvPr>
+        </p:nvSpPr>
+        <p:spPr/>
+        <p:txBody>
+          <a:bodyPr/>
+          <a:lstStyle/>
+          <a:p>
             <a:endParaRPr lang="ko-KR" altLang="en-US" dirty="0"/>
-          </a:p>
-        </p:txBody>
-      </p:sp>
-      <p:sp>
-        <p:nvSpPr>
-          <p:cNvPr id="3" name="내용 개체 틀 2">
-            <a:extLst>
-              <a:ext uri="{FF2B5EF4-FFF2-40B4-BE49-F238E27FC236}">
-                <a16:creationId xmlns:a16="http://schemas.microsoft.com/office/drawing/2014/main" id="{62C4ACB3-65B5-4F03-9AB8-5D48E7257DDC}"/>
-              </a:ext>
-            </a:extLst>
-          </p:cNvPr>
-          <p:cNvSpPr>
-            <a:spLocks noGrp="1"/>
-          </p:cNvSpPr>
-          <p:nvPr>
-            <p:ph idx="1"/>
-          </p:nvPr>
-        </p:nvSpPr>
-        <p:spPr/>
-        <p:txBody>
-          <a:bodyPr/>
-          <a:lstStyle/>
-          <a:p>
-            <a:r>
-              <a:rPr lang="ko-KR" altLang="en-US" dirty="0"/>
-              <a:t>초등학생 인구 시계열 예측</a:t>
-            </a:r>
-            <a:r>
-              <a:rPr lang="en-US" altLang="ko-KR" dirty="0"/>
-              <a:t>(</a:t>
-            </a:r>
-            <a:r>
-              <a:rPr lang="ko-KR" altLang="en-US" dirty="0"/>
-              <a:t>가능할까</a:t>
-            </a:r>
-            <a:r>
-              <a:rPr lang="en-US" altLang="ko-KR" dirty="0"/>
-              <a:t>)</a:t>
-            </a:r>
-          </a:p>
-          <a:p>
-            <a:endParaRPr lang="en-US" altLang="ko-KR" dirty="0"/>
-          </a:p>
-          <a:p>
-            <a:r>
-              <a:rPr lang="ko-KR" altLang="en-US" dirty="0"/>
-              <a:t>초등학생 </a:t>
-            </a:r>
-            <a:r>
-              <a:rPr lang="ko-KR" altLang="en-US" dirty="0" err="1"/>
-              <a:t>수용률</a:t>
-            </a:r>
-            <a:r>
-              <a:rPr lang="en-US" altLang="ko-KR" dirty="0"/>
-              <a:t>(</a:t>
-            </a:r>
-            <a:r>
-              <a:rPr lang="ko-KR" altLang="en-US" dirty="0"/>
-              <a:t>가칭</a:t>
-            </a:r>
-            <a:r>
-              <a:rPr lang="en-US" altLang="ko-KR" dirty="0"/>
-              <a:t>)</a:t>
-            </a:r>
-          </a:p>
-          <a:p>
-            <a:endParaRPr lang="en-US" altLang="ko-KR" dirty="0"/>
-          </a:p>
-          <a:p>
-            <a:r>
-              <a:rPr lang="ko-KR" altLang="en-US" dirty="0"/>
-              <a:t>수요 예측</a:t>
-            </a:r>
           </a:p>
         </p:txBody>
       </p:sp>
     </p:spTree>
     <p:extLst>
       <p:ext uri="{BB962C8B-B14F-4D97-AF65-F5344CB8AC3E}">
-        <p14:creationId xmlns:p14="http://schemas.microsoft.com/office/powerpoint/2010/main" val="3469209112"/>
+        <p14:creationId xmlns:p14="http://schemas.microsoft.com/office/powerpoint/2010/main" val="340102304"/>
       </p:ext>
     </p:extLst>
   </p:cSld>
@@ -4062,53 +4678,77 @@
           <a:lstStyle/>
           <a:p>
             <a:r>
+              <a:rPr lang="ko-KR" altLang="en-US" dirty="0"/>
+              <a:t>최적입지 선정</a:t>
+            </a:r>
+          </a:p>
+        </p:txBody>
+      </p:sp>
+      <p:sp>
+        <p:nvSpPr>
+          <p:cNvPr id="3" name="내용 개체 틀 2">
+            <a:extLst>
+              <a:ext uri="{FF2B5EF4-FFF2-40B4-BE49-F238E27FC236}">
+                <a16:creationId xmlns:a16="http://schemas.microsoft.com/office/drawing/2014/main" id="{62C4ACB3-65B5-4F03-9AB8-5D48E7257DDC}"/>
+              </a:ext>
+            </a:extLst>
+          </p:cNvPr>
+          <p:cNvSpPr>
+            <a:spLocks noGrp="1"/>
+          </p:cNvSpPr>
+          <p:nvPr>
+            <p:ph idx="1"/>
+          </p:nvPr>
+        </p:nvSpPr>
+        <p:spPr/>
+        <p:txBody>
+          <a:bodyPr/>
+          <a:lstStyle/>
+          <a:p>
+            <a:r>
+              <a:rPr lang="ko-KR" altLang="en-US" dirty="0"/>
+              <a:t>최적 장소 설정</a:t>
+            </a:r>
+            <a:endParaRPr lang="en-US" altLang="ko-KR" dirty="0"/>
+          </a:p>
+          <a:p>
+            <a:endParaRPr lang="en-US" altLang="ko-KR" dirty="0"/>
+          </a:p>
+          <a:p>
+            <a:r>
+              <a:rPr lang="ko-KR" altLang="en-US" dirty="0"/>
+              <a:t>지도에 보여주기</a:t>
+            </a:r>
+            <a:endParaRPr lang="en-US" altLang="ko-KR" dirty="0"/>
+          </a:p>
+          <a:p>
+            <a:endParaRPr lang="en-US" altLang="ko-KR" dirty="0"/>
+          </a:p>
+          <a:p>
+            <a:r>
+              <a:rPr lang="ko-KR" altLang="en-US" dirty="0"/>
+              <a:t>해당 동 관련 </a:t>
+            </a:r>
+            <a:r>
               <a:rPr lang="ko-KR" altLang="en-US" dirty="0" err="1"/>
-              <a:t>행정동별</a:t>
+              <a:t>뉴스랑</a:t>
             </a:r>
             <a:r>
               <a:rPr lang="ko-KR" altLang="en-US" dirty="0"/>
-              <a:t> </a:t>
+              <a:t> 함께 배치하면 </a:t>
             </a:r>
             <a:r>
               <a:rPr lang="ko-KR" altLang="en-US" dirty="0" err="1"/>
-              <a:t>돌봄수요예측</a:t>
+              <a:t>좋을듯</a:t>
             </a:r>
             <a:endParaRPr lang="ko-KR" altLang="en-US" dirty="0"/>
-          </a:p>
-        </p:txBody>
-      </p:sp>
-      <p:sp>
-        <p:nvSpPr>
-          <p:cNvPr id="3" name="내용 개체 틀 2">
-            <a:extLst>
-              <a:ext uri="{FF2B5EF4-FFF2-40B4-BE49-F238E27FC236}">
-                <a16:creationId xmlns:a16="http://schemas.microsoft.com/office/drawing/2014/main" id="{62C4ACB3-65B5-4F03-9AB8-5D48E7257DDC}"/>
-              </a:ext>
-            </a:extLst>
-          </p:cNvPr>
-          <p:cNvSpPr>
-            <a:spLocks noGrp="1"/>
-          </p:cNvSpPr>
-          <p:nvPr>
-            <p:ph idx="1"/>
-          </p:nvPr>
-        </p:nvSpPr>
-        <p:spPr/>
-        <p:txBody>
-          <a:bodyPr/>
-          <a:lstStyle/>
-          <a:p>
-            <a:r>
-              <a:rPr lang="ko-KR" altLang="en-US" dirty="0"/>
-              <a:t>위의 것들 시각화</a:t>
-            </a:r>
           </a:p>
         </p:txBody>
       </p:sp>
     </p:spTree>
     <p:extLst>
       <p:ext uri="{BB962C8B-B14F-4D97-AF65-F5344CB8AC3E}">
-        <p14:creationId xmlns:p14="http://schemas.microsoft.com/office/powerpoint/2010/main" val="795797399"/>
+        <p14:creationId xmlns:p14="http://schemas.microsoft.com/office/powerpoint/2010/main" val="1186114218"/>
       </p:ext>
     </p:extLst>
   </p:cSld>
@@ -4157,12 +4797,8 @@
           <a:lstStyle/>
           <a:p>
             <a:r>
-              <a:rPr lang="ko-KR" altLang="en-US" dirty="0" err="1"/>
-              <a:t>행정동별</a:t>
-            </a:r>
-            <a:r>
               <a:rPr lang="ko-KR" altLang="en-US" dirty="0"/>
-              <a:t> 분배</a:t>
+              <a:t>결론</a:t>
             </a:r>
           </a:p>
         </p:txBody>
@@ -4189,54 +4825,39 @@
           <a:lstStyle/>
           <a:p>
             <a:r>
-              <a:rPr lang="ko-KR" altLang="en-US" dirty="0" err="1"/>
-              <a:t>돌봄수요가</a:t>
-            </a:r>
-            <a:r>
               <a:rPr lang="ko-KR" altLang="en-US" dirty="0"/>
-              <a:t> 고르게 분배되는 식</a:t>
+              <a:t>상황</a:t>
             </a:r>
             <a:r>
               <a:rPr lang="en-US" altLang="ko-KR" dirty="0"/>
-              <a:t>/</a:t>
+              <a:t>+</a:t>
             </a:r>
             <a:r>
               <a:rPr lang="ko-KR" altLang="en-US" dirty="0"/>
-              <a:t>알고리즘 설명</a:t>
+              <a:t>모델</a:t>
+            </a:r>
+            <a:r>
+              <a:rPr lang="en-US" altLang="ko-KR" dirty="0"/>
+              <a:t>+</a:t>
+            </a:r>
+            <a:r>
+              <a:rPr lang="ko-KR" altLang="en-US" dirty="0"/>
+              <a:t>분배알고리즘 요약</a:t>
             </a:r>
             <a:endParaRPr lang="en-US" altLang="ko-KR" dirty="0"/>
           </a:p>
           <a:p>
-            <a:endParaRPr lang="en-US" altLang="ko-KR" dirty="0"/>
-          </a:p>
-          <a:p>
-            <a:r>
-              <a:rPr lang="ko-KR" altLang="en-US" dirty="0"/>
-              <a:t>현재상황 그대로라면 </a:t>
-            </a:r>
-            <a:r>
-              <a:rPr lang="en-US" altLang="ko-KR" dirty="0"/>
-              <a:t>1</a:t>
-            </a:r>
-            <a:r>
-              <a:rPr lang="ko-KR" altLang="en-US" dirty="0" err="1"/>
-              <a:t>년후에</a:t>
-            </a:r>
-            <a:r>
-              <a:rPr lang="ko-KR" altLang="en-US" dirty="0"/>
-              <a:t> 어떻게 될지 등등 설명</a:t>
-            </a:r>
-            <a:endParaRPr lang="en-US" altLang="ko-KR" dirty="0"/>
-          </a:p>
-          <a:p>
-            <a:endParaRPr lang="en-US" altLang="ko-KR" dirty="0"/>
+            <a:pPr marL="0" indent="0">
+              <a:buNone/>
+            </a:pPr>
+            <a:endParaRPr lang="ko-KR" altLang="en-US" dirty="0"/>
           </a:p>
         </p:txBody>
       </p:sp>
     </p:spTree>
     <p:extLst>
       <p:ext uri="{BB962C8B-B14F-4D97-AF65-F5344CB8AC3E}">
-        <p14:creationId xmlns:p14="http://schemas.microsoft.com/office/powerpoint/2010/main" val="2524776245"/>
+        <p14:creationId xmlns:p14="http://schemas.microsoft.com/office/powerpoint/2010/main" val="1123010118"/>
       </p:ext>
     </p:extLst>
   </p:cSld>
@@ -4285,60 +4906,61 @@
           <a:lstStyle/>
           <a:p>
             <a:r>
+              <a:rPr lang="ko-KR" altLang="en-US" dirty="0"/>
+              <a:t>결론</a:t>
+            </a:r>
+          </a:p>
+        </p:txBody>
+      </p:sp>
+      <p:sp>
+        <p:nvSpPr>
+          <p:cNvPr id="3" name="내용 개체 틀 2">
+            <a:extLst>
+              <a:ext uri="{FF2B5EF4-FFF2-40B4-BE49-F238E27FC236}">
+                <a16:creationId xmlns:a16="http://schemas.microsoft.com/office/drawing/2014/main" id="{62C4ACB3-65B5-4F03-9AB8-5D48E7257DDC}"/>
+              </a:ext>
+            </a:extLst>
+          </p:cNvPr>
+          <p:cNvSpPr>
+            <a:spLocks noGrp="1"/>
+          </p:cNvSpPr>
+          <p:nvPr>
+            <p:ph idx="1"/>
+          </p:nvPr>
+        </p:nvSpPr>
+        <p:spPr/>
+        <p:txBody>
+          <a:bodyPr/>
+          <a:lstStyle/>
+          <a:p>
+            <a:r>
+              <a:rPr lang="ko-KR" altLang="en-US" dirty="0"/>
+              <a:t>기대효과</a:t>
+            </a:r>
+            <a:r>
+              <a:rPr lang="en-US" altLang="ko-KR" dirty="0"/>
+              <a:t>, </a:t>
+            </a:r>
+            <a:r>
+              <a:rPr lang="ko-KR" altLang="en-US" dirty="0"/>
+              <a:t>발전방향</a:t>
+            </a:r>
+            <a:r>
+              <a:rPr lang="en-US" altLang="ko-KR" dirty="0"/>
+              <a:t>, </a:t>
+            </a:r>
+            <a:r>
               <a:rPr lang="ko-KR" altLang="en-US" dirty="0" err="1"/>
-              <a:t>행정동별</a:t>
-            </a:r>
-            <a:r>
-              <a:rPr lang="ko-KR" altLang="en-US" dirty="0"/>
-              <a:t> 분배</a:t>
-            </a:r>
-          </a:p>
-        </p:txBody>
-      </p:sp>
-      <p:sp>
-        <p:nvSpPr>
-          <p:cNvPr id="3" name="내용 개체 틀 2">
-            <a:extLst>
-              <a:ext uri="{FF2B5EF4-FFF2-40B4-BE49-F238E27FC236}">
-                <a16:creationId xmlns:a16="http://schemas.microsoft.com/office/drawing/2014/main" id="{62C4ACB3-65B5-4F03-9AB8-5D48E7257DDC}"/>
-              </a:ext>
-            </a:extLst>
-          </p:cNvPr>
-          <p:cNvSpPr>
-            <a:spLocks noGrp="1"/>
-          </p:cNvSpPr>
-          <p:nvPr>
-            <p:ph idx="1"/>
-          </p:nvPr>
-        </p:nvSpPr>
-        <p:spPr/>
-        <p:txBody>
-          <a:bodyPr/>
-          <a:lstStyle/>
-          <a:p>
-            <a:r>
-              <a:rPr lang="en-US" altLang="ko-KR" dirty="0"/>
-              <a:t>400</a:t>
-            </a:r>
-            <a:r>
-              <a:rPr lang="ko-KR" altLang="en-US" dirty="0"/>
-              <a:t>개소 알고리즘에 맞게 분배</a:t>
-            </a:r>
-            <a:r>
-              <a:rPr lang="en-US" altLang="ko-KR" dirty="0"/>
-              <a:t>+</a:t>
-            </a:r>
-            <a:r>
-              <a:rPr lang="ko-KR" altLang="en-US" dirty="0"/>
-              <a:t>시각화</a:t>
-            </a:r>
+              <a:t>멋있는말</a:t>
+            </a:r>
+            <a:endParaRPr lang="ko-KR" altLang="en-US" dirty="0"/>
           </a:p>
         </p:txBody>
       </p:sp>
     </p:spTree>
     <p:extLst>
       <p:ext uri="{BB962C8B-B14F-4D97-AF65-F5344CB8AC3E}">
-        <p14:creationId xmlns:p14="http://schemas.microsoft.com/office/powerpoint/2010/main" val="789816600"/>
+        <p14:creationId xmlns:p14="http://schemas.microsoft.com/office/powerpoint/2010/main" val="3845351814"/>
       </p:ext>
     </p:extLst>
   </p:cSld>
@@ -4388,7 +5010,7 @@
           <a:p>
             <a:r>
               <a:rPr lang="ko-KR" altLang="en-US" dirty="0"/>
-              <a:t>최적입지 선정</a:t>
+              <a:t>여백</a:t>
             </a:r>
           </a:p>
         </p:txBody>
@@ -4414,50 +5036,14 @@
           <a:bodyPr/>
           <a:lstStyle/>
           <a:p>
-            <a:r>
-              <a:rPr lang="ko-KR" altLang="en-US" dirty="0"/>
-              <a:t>최적 장소 설정</a:t>
-            </a:r>
-            <a:endParaRPr lang="en-US" altLang="ko-KR" dirty="0"/>
-          </a:p>
-          <a:p>
-            <a:endParaRPr lang="en-US" altLang="ko-KR" dirty="0"/>
-          </a:p>
-          <a:p>
-            <a:r>
-              <a:rPr lang="ko-KR" altLang="en-US" dirty="0"/>
-              <a:t>지도에 보여주기</a:t>
-            </a:r>
-            <a:endParaRPr lang="en-US" altLang="ko-KR" dirty="0"/>
-          </a:p>
-          <a:p>
-            <a:endParaRPr lang="en-US" altLang="ko-KR" dirty="0"/>
-          </a:p>
-          <a:p>
-            <a:r>
-              <a:rPr lang="ko-KR" altLang="en-US" dirty="0"/>
-              <a:t>해당 동 관련 </a:t>
-            </a:r>
-            <a:r>
-              <a:rPr lang="ko-KR" altLang="en-US" dirty="0" err="1"/>
-              <a:t>뉴스랑</a:t>
-            </a:r>
-            <a:r>
-              <a:rPr lang="ko-KR" altLang="en-US" dirty="0"/>
-              <a:t> 함께 배치하면 </a:t>
-            </a:r>
-            <a:r>
-              <a:rPr lang="ko-KR" altLang="en-US" dirty="0" err="1"/>
-              <a:t>좋을듯</a:t>
-            </a:r>
-            <a:endParaRPr lang="ko-KR" altLang="en-US" dirty="0"/>
+            <a:endParaRPr lang="ko-KR" altLang="en-US"/>
           </a:p>
         </p:txBody>
       </p:sp>
     </p:spTree>
     <p:extLst>
       <p:ext uri="{BB962C8B-B14F-4D97-AF65-F5344CB8AC3E}">
-        <p14:creationId xmlns:p14="http://schemas.microsoft.com/office/powerpoint/2010/main" val="1186114218"/>
+        <p14:creationId xmlns:p14="http://schemas.microsoft.com/office/powerpoint/2010/main" val="4013848253"/>
       </p:ext>
     </p:extLst>
   </p:cSld>
@@ -4507,7 +5093,7 @@
           <a:p>
             <a:r>
               <a:rPr lang="ko-KR" altLang="en-US" dirty="0"/>
-              <a:t>결론</a:t>
+              <a:t>여백</a:t>
             </a:r>
           </a:p>
         </p:txBody>
@@ -4533,40 +5119,14 @@
           <a:bodyPr/>
           <a:lstStyle/>
           <a:p>
-            <a:r>
-              <a:rPr lang="ko-KR" altLang="en-US" dirty="0"/>
-              <a:t>상황</a:t>
-            </a:r>
-            <a:r>
-              <a:rPr lang="en-US" altLang="ko-KR" dirty="0"/>
-              <a:t>+</a:t>
-            </a:r>
-            <a:r>
-              <a:rPr lang="ko-KR" altLang="en-US" dirty="0"/>
-              <a:t>모델</a:t>
-            </a:r>
-            <a:r>
-              <a:rPr lang="en-US" altLang="ko-KR" dirty="0"/>
-              <a:t>+</a:t>
-            </a:r>
-            <a:r>
-              <a:rPr lang="ko-KR" altLang="en-US" dirty="0"/>
-              <a:t>분배알고리즘 요약</a:t>
-            </a:r>
-            <a:endParaRPr lang="en-US" altLang="ko-KR" dirty="0"/>
-          </a:p>
-          <a:p>
-            <a:pPr marL="0" indent="0">
-              <a:buNone/>
-            </a:pPr>
-            <a:endParaRPr lang="ko-KR" altLang="en-US" dirty="0"/>
+            <a:endParaRPr lang="ko-KR" altLang="en-US"/>
           </a:p>
         </p:txBody>
       </p:sp>
     </p:spTree>
     <p:extLst>
       <p:ext uri="{BB962C8B-B14F-4D97-AF65-F5344CB8AC3E}">
-        <p14:creationId xmlns:p14="http://schemas.microsoft.com/office/powerpoint/2010/main" val="1123010118"/>
+        <p14:creationId xmlns:p14="http://schemas.microsoft.com/office/powerpoint/2010/main" val="3306951398"/>
       </p:ext>
     </p:extLst>
   </p:cSld>
@@ -4616,7 +5176,7 @@
           <a:p>
             <a:r>
               <a:rPr lang="ko-KR" altLang="en-US" dirty="0"/>
-              <a:t>결론</a:t>
+              <a:t>여백</a:t>
             </a:r>
           </a:p>
         </p:txBody>
@@ -4642,34 +5202,14 @@
           <a:bodyPr/>
           <a:lstStyle/>
           <a:p>
-            <a:r>
-              <a:rPr lang="ko-KR" altLang="en-US" dirty="0"/>
-              <a:t>기대효과</a:t>
-            </a:r>
-            <a:r>
-              <a:rPr lang="en-US" altLang="ko-KR" dirty="0"/>
-              <a:t>, </a:t>
-            </a:r>
-            <a:r>
-              <a:rPr lang="ko-KR" altLang="en-US" dirty="0"/>
-              <a:t>발전방향</a:t>
-            </a:r>
-            <a:r>
-              <a:rPr lang="en-US" altLang="ko-KR" dirty="0"/>
-              <a:t>, </a:t>
-            </a:r>
-            <a:r>
-              <a:rPr lang="ko-KR" altLang="en-US" dirty="0" err="1"/>
-              <a:t>멋있는말</a:t>
-            </a:r>
-            <a:endParaRPr lang="ko-KR" altLang="en-US" dirty="0"/>
+            <a:endParaRPr lang="ko-KR" altLang="en-US"/>
           </a:p>
         </p:txBody>
       </p:sp>
     </p:spTree>
     <p:extLst>
       <p:ext uri="{BB962C8B-B14F-4D97-AF65-F5344CB8AC3E}">
-        <p14:creationId xmlns:p14="http://schemas.microsoft.com/office/powerpoint/2010/main" val="3845351814"/>
+        <p14:creationId xmlns:p14="http://schemas.microsoft.com/office/powerpoint/2010/main" val="2356548339"/>
       </p:ext>
     </p:extLst>
   </p:cSld>
@@ -4752,7 +5292,7 @@
     </p:spTree>
     <p:extLst>
       <p:ext uri="{BB962C8B-B14F-4D97-AF65-F5344CB8AC3E}">
-        <p14:creationId xmlns:p14="http://schemas.microsoft.com/office/powerpoint/2010/main" val="4013848253"/>
+        <p14:creationId xmlns:p14="http://schemas.microsoft.com/office/powerpoint/2010/main" val="172576382"/>
       </p:ext>
     </p:extLst>
   </p:cSld>
@@ -4802,7 +5342,7 @@
           <a:p>
             <a:r>
               <a:rPr lang="ko-KR" altLang="en-US" dirty="0"/>
-              <a:t>여백</a:t>
+              <a:t>출처</a:t>
             </a:r>
           </a:p>
         </p:txBody>
@@ -4835,7 +5375,7 @@
     </p:spTree>
     <p:extLst>
       <p:ext uri="{BB962C8B-B14F-4D97-AF65-F5344CB8AC3E}">
-        <p14:creationId xmlns:p14="http://schemas.microsoft.com/office/powerpoint/2010/main" val="3306951398"/>
+        <p14:creationId xmlns:p14="http://schemas.microsoft.com/office/powerpoint/2010/main" val="3265665736"/>
       </p:ext>
     </p:extLst>
   </p:cSld>
@@ -5234,9 +5774,17 @@
 </p:sld>
 </file>
 
-<file path=ppt/slides/slide20.xml><?xml version="1.0" encoding="utf-8"?>
+<file path=ppt/slides/slide3.xml><?xml version="1.0" encoding="utf-8"?>
 <p:sld xmlns:a="http://schemas.openxmlformats.org/drawingml/2006/main" xmlns:r="http://schemas.openxmlformats.org/officeDocument/2006/relationships" xmlns:p="http://schemas.openxmlformats.org/presentationml/2006/main">
   <p:cSld>
+    <p:bg>
+      <p:bgPr>
+        <a:solidFill>
+          <a:schemeClr val="bg1"/>
+        </a:solidFill>
+        <a:effectLst/>
+      </p:bgPr>
+    </p:bg>
     <p:spTree>
       <p:nvGrpSpPr>
         <p:cNvPr id="1" name=""/>
@@ -5253,6 +5801,1496 @@
       </p:grpSpPr>
       <p:sp>
         <p:nvSpPr>
+          <p:cNvPr id="9" name="Rectangle 8">
+            <a:extLst>
+              <a:ext uri="{FF2B5EF4-FFF2-40B4-BE49-F238E27FC236}">
+                <a16:creationId xmlns:a16="http://schemas.microsoft.com/office/drawing/2014/main" id="{A3BAF07C-C39E-42EB-BB22-8D46691D9735}"/>
+              </a:ext>
+              <a:ext uri="{C183D7F6-B498-43B3-948B-1728B52AA6E4}">
+                <adec:decorative xmlns:adec="http://schemas.microsoft.com/office/drawing/2017/decorative" val="1"/>
+              </a:ext>
+            </a:extLst>
+          </p:cNvPr>
+          <p:cNvSpPr>
+            <a:spLocks noGrp="1" noRot="1" noChangeAspect="1" noMove="1" noResize="1" noEditPoints="1" noAdjustHandles="1" noChangeArrowheads="1" noChangeShapeType="1" noTextEdit="1"/>
+          </p:cNvSpPr>
+          <p:nvPr>
+            <p:extLst>
+              <p:ext uri="{386F3935-93C4-4BCD-93E2-E3B085C9AB24}">
+                <p16:designElem xmlns:p16="http://schemas.microsoft.com/office/powerpoint/2015/main" val="1"/>
+              </p:ext>
+            </p:extLst>
+          </p:nvPr>
+        </p:nvSpPr>
+        <p:spPr>
+          <a:xfrm>
+            <a:off x="-1" y="0"/>
+            <a:ext cx="12193061" cy="6858000"/>
+          </a:xfrm>
+          <a:prstGeom prst="rect">
+            <a:avLst/>
+          </a:prstGeom>
+          <a:solidFill>
+            <a:schemeClr val="bg1">
+              <a:lumMod val="75000"/>
+              <a:lumOff val="25000"/>
+            </a:schemeClr>
+          </a:solidFill>
+          <a:ln>
+            <a:noFill/>
+          </a:ln>
+        </p:spPr>
+        <p:style>
+          <a:lnRef idx="2">
+            <a:schemeClr val="accent1">
+              <a:shade val="50000"/>
+            </a:schemeClr>
+          </a:lnRef>
+          <a:fillRef idx="1">
+            <a:schemeClr val="accent1"/>
+          </a:fillRef>
+          <a:effectRef idx="0">
+            <a:schemeClr val="accent1"/>
+          </a:effectRef>
+          <a:fontRef idx="minor">
+            <a:schemeClr val="lt1"/>
+          </a:fontRef>
+        </p:style>
+        <p:txBody>
+          <a:bodyPr rtlCol="0" anchor="ctr"/>
+          <a:lstStyle/>
+          <a:p>
+            <a:pPr algn="ctr"/>
+            <a:endParaRPr lang="en-US"/>
+          </a:p>
+        </p:txBody>
+      </p:sp>
+      <p:grpSp>
+        <p:nvGrpSpPr>
+          <p:cNvPr id="11" name="Group 10">
+            <a:extLst>
+              <a:ext uri="{FF2B5EF4-FFF2-40B4-BE49-F238E27FC236}">
+                <a16:creationId xmlns:a16="http://schemas.microsoft.com/office/drawing/2014/main" id="{D8E9CF54-0466-4261-9E62-0249E60E1886}"/>
+              </a:ext>
+              <a:ext uri="{C183D7F6-B498-43B3-948B-1728B52AA6E4}">
+                <adec:decorative xmlns:adec="http://schemas.microsoft.com/office/drawing/2017/decorative" val="1"/>
+              </a:ext>
+            </a:extLst>
+          </p:cNvPr>
+          <p:cNvGrpSpPr>
+            <a:grpSpLocks noGrp="1" noUngrp="1" noRot="1" noChangeAspect="1" noMove="1" noResize="1"/>
+          </p:cNvGrpSpPr>
+          <p:nvPr>
+            <p:extLst>
+              <p:ext uri="{386F3935-93C4-4BCD-93E2-E3B085C9AB24}">
+                <p16:designElem xmlns:p16="http://schemas.microsoft.com/office/powerpoint/2015/main" val="1"/>
+              </p:ext>
+            </p:extLst>
+          </p:nvPr>
+        </p:nvGrpSpPr>
+        <p:grpSpPr>
+          <a:xfrm>
+            <a:off x="-329674" y="-59376"/>
+            <a:ext cx="12515851" cy="6923798"/>
+            <a:chOff x="-329674" y="-51881"/>
+            <a:chExt cx="12515851" cy="6923798"/>
+          </a:xfrm>
+        </p:grpSpPr>
+        <p:sp>
+          <p:nvSpPr>
+            <p:cNvPr id="12" name="Freeform 5">
+              <a:extLst>
+                <a:ext uri="{FF2B5EF4-FFF2-40B4-BE49-F238E27FC236}">
+                  <a16:creationId xmlns:a16="http://schemas.microsoft.com/office/drawing/2014/main" id="{33E32106-E8B1-4F76-9EE6-58537738A3C4}"/>
+                </a:ext>
+                <a:ext uri="{C183D7F6-B498-43B3-948B-1728B52AA6E4}">
+                  <adec:decorative xmlns:adec="http://schemas.microsoft.com/office/drawing/2017/decorative" val="1"/>
+                </a:ext>
+              </a:extLst>
+            </p:cNvPr>
+            <p:cNvSpPr/>
+            <p:nvPr>
+              <p:extLst>
+                <p:ext uri="{386F3935-93C4-4BCD-93E2-E3B085C9AB24}">
+                  <p16:designElem xmlns:p16="http://schemas.microsoft.com/office/powerpoint/2015/main" val="1"/>
+                </p:ext>
+              </p:extLst>
+            </p:nvPr>
+          </p:nvSpPr>
+          <p:spPr bwMode="auto">
+            <a:xfrm>
+              <a:off x="-329674" y="1298404"/>
+              <a:ext cx="9702800" cy="5573512"/>
+            </a:xfrm>
+            <a:custGeom>
+              <a:avLst/>
+              <a:gdLst/>
+              <a:ahLst/>
+              <a:cxnLst/>
+              <a:rect l="0" t="0" r="r" b="b"/>
+              <a:pathLst>
+                <a:path w="2038" h="1169">
+                  <a:moveTo>
+                    <a:pt x="1752" y="1169"/>
+                  </a:moveTo>
+                  <a:cubicBezTo>
+                    <a:pt x="2038" y="928"/>
+                    <a:pt x="1673" y="513"/>
+                    <a:pt x="1487" y="334"/>
+                  </a:cubicBezTo>
+                  <a:cubicBezTo>
+                    <a:pt x="1316" y="170"/>
+                    <a:pt x="1099" y="43"/>
+                    <a:pt x="860" y="22"/>
+                  </a:cubicBezTo>
+                  <a:cubicBezTo>
+                    <a:pt x="621" y="0"/>
+                    <a:pt x="341" y="128"/>
+                    <a:pt x="199" y="318"/>
+                  </a:cubicBezTo>
+                  <a:cubicBezTo>
+                    <a:pt x="0" y="586"/>
+                    <a:pt x="184" y="965"/>
+                    <a:pt x="399" y="1165"/>
+                  </a:cubicBezTo>
+                </a:path>
+              </a:pathLst>
+            </a:custGeom>
+            <a:noFill/>
+            <a:ln w="9525" cap="flat">
+              <a:solidFill>
+                <a:schemeClr val="tx1">
+                  <a:alpha val="35000"/>
+                </a:schemeClr>
+              </a:solidFill>
+              <a:prstDash val="solid"/>
+              <a:miter lim="800000"/>
+              <a:headEnd/>
+              <a:tailEnd/>
+            </a:ln>
+            <a:extLst>
+              <a:ext uri="{909E8E84-426E-40DD-AFC4-6F175D3DCCD1}">
+                <a14:hiddenFill xmlns:a14="http://schemas.microsoft.com/office/drawing/2010/main">
+                  <a:solidFill>
+                    <a:srgbClr val="FFFFFF"/>
+                  </a:solidFill>
+                </a14:hiddenFill>
+              </a:ext>
+            </a:extLst>
+          </p:spPr>
+        </p:sp>
+        <p:sp>
+          <p:nvSpPr>
+            <p:cNvPr id="13" name="Freeform 6">
+              <a:extLst>
+                <a:ext uri="{FF2B5EF4-FFF2-40B4-BE49-F238E27FC236}">
+                  <a16:creationId xmlns:a16="http://schemas.microsoft.com/office/drawing/2014/main" id="{C32C2C46-A045-44FB-8A74-5EBD650C2787}"/>
+                </a:ext>
+                <a:ext uri="{C183D7F6-B498-43B3-948B-1728B52AA6E4}">
+                  <adec:decorative xmlns:adec="http://schemas.microsoft.com/office/drawing/2017/decorative" val="1"/>
+                </a:ext>
+              </a:extLst>
+            </p:cNvPr>
+            <p:cNvSpPr/>
+            <p:nvPr>
+              <p:extLst>
+                <p:ext uri="{386F3935-93C4-4BCD-93E2-E3B085C9AB24}">
+                  <p16:designElem xmlns:p16="http://schemas.microsoft.com/office/powerpoint/2015/main" val="1"/>
+                </p:ext>
+              </p:extLst>
+            </p:nvPr>
+          </p:nvSpPr>
+          <p:spPr bwMode="auto">
+            <a:xfrm>
+              <a:off x="670451" y="2018236"/>
+              <a:ext cx="7373938" cy="4848892"/>
+            </a:xfrm>
+            <a:custGeom>
+              <a:avLst/>
+              <a:gdLst/>
+              <a:ahLst/>
+              <a:cxnLst/>
+              <a:rect l="0" t="0" r="r" b="b"/>
+              <a:pathLst>
+                <a:path w="1549" h="1017">
+                  <a:moveTo>
+                    <a:pt x="1025" y="1016"/>
+                  </a:moveTo>
+                  <a:cubicBezTo>
+                    <a:pt x="1223" y="971"/>
+                    <a:pt x="1549" y="857"/>
+                    <a:pt x="1443" y="592"/>
+                  </a:cubicBezTo>
+                  <a:cubicBezTo>
+                    <a:pt x="1344" y="344"/>
+                    <a:pt x="1041" y="111"/>
+                    <a:pt x="782" y="53"/>
+                  </a:cubicBezTo>
+                  <a:cubicBezTo>
+                    <a:pt x="545" y="0"/>
+                    <a:pt x="275" y="117"/>
+                    <a:pt x="150" y="329"/>
+                  </a:cubicBezTo>
+                  <a:cubicBezTo>
+                    <a:pt x="0" y="584"/>
+                    <a:pt x="243" y="911"/>
+                    <a:pt x="477" y="1017"/>
+                  </a:cubicBezTo>
+                </a:path>
+              </a:pathLst>
+            </a:custGeom>
+            <a:noFill/>
+            <a:ln w="9525" cap="flat">
+              <a:solidFill>
+                <a:schemeClr val="tx1">
+                  <a:alpha val="35000"/>
+                </a:schemeClr>
+              </a:solidFill>
+              <a:prstDash val="solid"/>
+              <a:miter lim="800000"/>
+              <a:headEnd/>
+              <a:tailEnd/>
+            </a:ln>
+            <a:extLst>
+              <a:ext uri="{909E8E84-426E-40DD-AFC4-6F175D3DCCD1}">
+                <a14:hiddenFill xmlns:a14="http://schemas.microsoft.com/office/drawing/2010/main">
+                  <a:solidFill>
+                    <a:srgbClr val="FFFFFF"/>
+                  </a:solidFill>
+                </a14:hiddenFill>
+              </a:ext>
+            </a:extLst>
+          </p:spPr>
+        </p:sp>
+        <p:sp>
+          <p:nvSpPr>
+            <p:cNvPr id="14" name="Freeform 7">
+              <a:extLst>
+                <a:ext uri="{FF2B5EF4-FFF2-40B4-BE49-F238E27FC236}">
+                  <a16:creationId xmlns:a16="http://schemas.microsoft.com/office/drawing/2014/main" id="{6A76F79C-6683-4940-BCF7-4BCCCEE40688}"/>
+                </a:ext>
+                <a:ext uri="{C183D7F6-B498-43B3-948B-1728B52AA6E4}">
+                  <adec:decorative xmlns:adec="http://schemas.microsoft.com/office/drawing/2017/decorative" val="1"/>
+                </a:ext>
+              </a:extLst>
+            </p:cNvPr>
+            <p:cNvSpPr/>
+            <p:nvPr>
+              <p:extLst>
+                <p:ext uri="{386F3935-93C4-4BCD-93E2-E3B085C9AB24}">
+                  <p16:designElem xmlns:p16="http://schemas.microsoft.com/office/powerpoint/2015/main" val="1"/>
+                </p:ext>
+              </p:extLst>
+            </p:nvPr>
+          </p:nvSpPr>
+          <p:spPr bwMode="auto">
+            <a:xfrm>
+              <a:off x="251351" y="1788400"/>
+              <a:ext cx="8035925" cy="5083516"/>
+            </a:xfrm>
+            <a:custGeom>
+              <a:avLst/>
+              <a:gdLst/>
+              <a:ahLst/>
+              <a:cxnLst/>
+              <a:rect l="0" t="0" r="r" b="b"/>
+              <a:pathLst>
+                <a:path w="1688" h="1066">
+                  <a:moveTo>
+                    <a:pt x="1302" y="1066"/>
+                  </a:moveTo>
+                  <a:cubicBezTo>
+                    <a:pt x="1416" y="1024"/>
+                    <a:pt x="1551" y="962"/>
+                    <a:pt x="1613" y="850"/>
+                  </a:cubicBezTo>
+                  <a:cubicBezTo>
+                    <a:pt x="1688" y="715"/>
+                    <a:pt x="1606" y="575"/>
+                    <a:pt x="1517" y="471"/>
+                  </a:cubicBezTo>
+                  <a:cubicBezTo>
+                    <a:pt x="1336" y="258"/>
+                    <a:pt x="1084" y="62"/>
+                    <a:pt x="798" y="28"/>
+                  </a:cubicBezTo>
+                  <a:cubicBezTo>
+                    <a:pt x="559" y="0"/>
+                    <a:pt x="317" y="138"/>
+                    <a:pt x="181" y="333"/>
+                  </a:cubicBezTo>
+                  <a:cubicBezTo>
+                    <a:pt x="0" y="592"/>
+                    <a:pt x="191" y="907"/>
+                    <a:pt x="420" y="1066"/>
+                  </a:cubicBezTo>
+                </a:path>
+              </a:pathLst>
+            </a:custGeom>
+            <a:noFill/>
+            <a:ln w="9525" cap="flat">
+              <a:solidFill>
+                <a:schemeClr val="tx1">
+                  <a:alpha val="35000"/>
+                </a:schemeClr>
+              </a:solidFill>
+              <a:prstDash val="dash"/>
+              <a:miter lim="800000"/>
+              <a:headEnd/>
+              <a:tailEnd/>
+            </a:ln>
+            <a:extLst>
+              <a:ext uri="{909E8E84-426E-40DD-AFC4-6F175D3DCCD1}">
+                <a14:hiddenFill xmlns:a14="http://schemas.microsoft.com/office/drawing/2010/main">
+                  <a:solidFill>
+                    <a:srgbClr val="FFFFFF"/>
+                  </a:solidFill>
+                </a14:hiddenFill>
+              </a:ext>
+            </a:extLst>
+          </p:spPr>
+        </p:sp>
+        <p:sp>
+          <p:nvSpPr>
+            <p:cNvPr id="15" name="Freeform 8">
+              <a:extLst>
+                <a:ext uri="{FF2B5EF4-FFF2-40B4-BE49-F238E27FC236}">
+                  <a16:creationId xmlns:a16="http://schemas.microsoft.com/office/drawing/2014/main" id="{FF4675A3-6D07-4B1F-9BFC-AEBEA1AD067D}"/>
+                </a:ext>
+                <a:ext uri="{C183D7F6-B498-43B3-948B-1728B52AA6E4}">
+                  <adec:decorative xmlns:adec="http://schemas.microsoft.com/office/drawing/2017/decorative" val="1"/>
+                </a:ext>
+              </a:extLst>
+            </p:cNvPr>
+            <p:cNvSpPr/>
+            <p:nvPr>
+              <p:extLst>
+                <p:ext uri="{386F3935-93C4-4BCD-93E2-E3B085C9AB24}">
+                  <p16:designElem xmlns:p16="http://schemas.microsoft.com/office/powerpoint/2015/main" val="1"/>
+                </p:ext>
+              </p:extLst>
+            </p:nvPr>
+          </p:nvSpPr>
+          <p:spPr bwMode="auto">
+            <a:xfrm>
+              <a:off x="-1061" y="549842"/>
+              <a:ext cx="10334625" cy="6322075"/>
+            </a:xfrm>
+            <a:custGeom>
+              <a:avLst/>
+              <a:gdLst/>
+              <a:ahLst/>
+              <a:cxnLst/>
+              <a:rect l="0" t="0" r="r" b="b"/>
+              <a:pathLst>
+                <a:path w="2171" h="1326">
+                  <a:moveTo>
+                    <a:pt x="1873" y="1326"/>
+                  </a:moveTo>
+                  <a:cubicBezTo>
+                    <a:pt x="2171" y="1045"/>
+                    <a:pt x="1825" y="678"/>
+                    <a:pt x="1609" y="473"/>
+                  </a:cubicBezTo>
+                  <a:cubicBezTo>
+                    <a:pt x="1406" y="281"/>
+                    <a:pt x="1159" y="116"/>
+                    <a:pt x="880" y="63"/>
+                  </a:cubicBezTo>
+                  <a:cubicBezTo>
+                    <a:pt x="545" y="0"/>
+                    <a:pt x="214" y="161"/>
+                    <a:pt x="0" y="423"/>
+                  </a:cubicBezTo>
+                </a:path>
+              </a:pathLst>
+            </a:custGeom>
+            <a:noFill/>
+            <a:ln w="9525" cap="flat">
+              <a:solidFill>
+                <a:schemeClr val="tx1">
+                  <a:alpha val="35000"/>
+                </a:schemeClr>
+              </a:solidFill>
+              <a:prstDash val="solid"/>
+              <a:miter lim="800000"/>
+              <a:headEnd/>
+              <a:tailEnd/>
+            </a:ln>
+            <a:extLst>
+              <a:ext uri="{909E8E84-426E-40DD-AFC4-6F175D3DCCD1}">
+                <a14:hiddenFill xmlns:a14="http://schemas.microsoft.com/office/drawing/2010/main">
+                  <a:solidFill>
+                    <a:srgbClr val="FFFFFF"/>
+                  </a:solidFill>
+                </a14:hiddenFill>
+              </a:ext>
+            </a:extLst>
+          </p:spPr>
+        </p:sp>
+        <p:sp>
+          <p:nvSpPr>
+            <p:cNvPr id="16" name="Freeform 9">
+              <a:extLst>
+                <a:ext uri="{FF2B5EF4-FFF2-40B4-BE49-F238E27FC236}">
+                  <a16:creationId xmlns:a16="http://schemas.microsoft.com/office/drawing/2014/main" id="{765E127A-B6B7-4B1D-B7BD-6C8C969D29C3}"/>
+                </a:ext>
+                <a:ext uri="{C183D7F6-B498-43B3-948B-1728B52AA6E4}">
+                  <adec:decorative xmlns:adec="http://schemas.microsoft.com/office/drawing/2017/decorative" val="1"/>
+                </a:ext>
+              </a:extLst>
+            </p:cNvPr>
+            <p:cNvSpPr/>
+            <p:nvPr>
+              <p:extLst>
+                <p:ext uri="{386F3935-93C4-4BCD-93E2-E3B085C9AB24}">
+                  <p16:designElem xmlns:p16="http://schemas.microsoft.com/office/powerpoint/2015/main" val="1"/>
+                </p:ext>
+              </p:extLst>
+            </p:nvPr>
+          </p:nvSpPr>
+          <p:spPr bwMode="auto">
+            <a:xfrm>
+              <a:off x="3701" y="6186246"/>
+              <a:ext cx="504825" cy="681527"/>
+            </a:xfrm>
+            <a:custGeom>
+              <a:avLst/>
+              <a:gdLst/>
+              <a:ahLst/>
+              <a:cxnLst/>
+              <a:rect l="0" t="0" r="r" b="b"/>
+              <a:pathLst>
+                <a:path w="106" h="143">
+                  <a:moveTo>
+                    <a:pt x="0" y="0"/>
+                  </a:moveTo>
+                  <a:cubicBezTo>
+                    <a:pt x="35" y="54"/>
+                    <a:pt x="70" y="101"/>
+                    <a:pt x="106" y="143"/>
+                  </a:cubicBezTo>
+                </a:path>
+              </a:pathLst>
+            </a:custGeom>
+            <a:noFill/>
+            <a:ln w="4763" cap="flat">
+              <a:solidFill>
+                <a:schemeClr val="tx1">
+                  <a:alpha val="35000"/>
+                </a:schemeClr>
+              </a:solidFill>
+              <a:prstDash val="solid"/>
+              <a:miter lim="800000"/>
+              <a:headEnd/>
+              <a:tailEnd/>
+            </a:ln>
+            <a:extLst>
+              <a:ext uri="{909E8E84-426E-40DD-AFC4-6F175D3DCCD1}">
+                <a14:hiddenFill xmlns:a14="http://schemas.microsoft.com/office/drawing/2010/main">
+                  <a:solidFill>
+                    <a:srgbClr val="FFFFFF"/>
+                  </a:solidFill>
+                </a14:hiddenFill>
+              </a:ext>
+            </a:extLst>
+          </p:spPr>
+        </p:sp>
+        <p:sp>
+          <p:nvSpPr>
+            <p:cNvPr id="17" name="Freeform 10">
+              <a:extLst>
+                <a:ext uri="{FF2B5EF4-FFF2-40B4-BE49-F238E27FC236}">
+                  <a16:creationId xmlns:a16="http://schemas.microsoft.com/office/drawing/2014/main" id="{3BCA9D9E-C72C-4751-BFA9-10B85CACE3CA}"/>
+                </a:ext>
+                <a:ext uri="{C183D7F6-B498-43B3-948B-1728B52AA6E4}">
+                  <adec:decorative xmlns:adec="http://schemas.microsoft.com/office/drawing/2017/decorative" val="1"/>
+                </a:ext>
+              </a:extLst>
+            </p:cNvPr>
+            <p:cNvSpPr/>
+            <p:nvPr>
+              <p:extLst>
+                <p:ext uri="{386F3935-93C4-4BCD-93E2-E3B085C9AB24}">
+                  <p16:designElem xmlns:p16="http://schemas.microsoft.com/office/powerpoint/2015/main" val="1"/>
+                </p:ext>
+              </p:extLst>
+            </p:nvPr>
+          </p:nvSpPr>
+          <p:spPr bwMode="auto">
+            <a:xfrm>
+              <a:off x="-1061" y="-51881"/>
+              <a:ext cx="11091863" cy="6923796"/>
+            </a:xfrm>
+            <a:custGeom>
+              <a:avLst/>
+              <a:gdLst/>
+              <a:ahLst/>
+              <a:cxnLst/>
+              <a:rect l="0" t="0" r="r" b="b"/>
+              <a:pathLst>
+                <a:path w="2330" h="1452">
+                  <a:moveTo>
+                    <a:pt x="2046" y="1452"/>
+                  </a:moveTo>
+                  <a:cubicBezTo>
+                    <a:pt x="2330" y="1153"/>
+                    <a:pt x="2049" y="821"/>
+                    <a:pt x="1813" y="601"/>
+                  </a:cubicBezTo>
+                  <a:cubicBezTo>
+                    <a:pt x="1569" y="375"/>
+                    <a:pt x="1282" y="179"/>
+                    <a:pt x="956" y="97"/>
+                  </a:cubicBezTo>
+                  <a:cubicBezTo>
+                    <a:pt x="572" y="0"/>
+                    <a:pt x="292" y="101"/>
+                    <a:pt x="0" y="366"/>
+                  </a:cubicBezTo>
+                </a:path>
+              </a:pathLst>
+            </a:custGeom>
+            <a:noFill/>
+            <a:ln w="9525" cap="flat">
+              <a:solidFill>
+                <a:schemeClr val="tx1">
+                  <a:alpha val="35000"/>
+                </a:schemeClr>
+              </a:solidFill>
+              <a:prstDash val="solid"/>
+              <a:miter lim="800000"/>
+              <a:headEnd/>
+              <a:tailEnd/>
+            </a:ln>
+            <a:extLst>
+              <a:ext uri="{909E8E84-426E-40DD-AFC4-6F175D3DCCD1}">
+                <a14:hiddenFill xmlns:a14="http://schemas.microsoft.com/office/drawing/2010/main">
+                  <a:solidFill>
+                    <a:srgbClr val="FFFFFF"/>
+                  </a:solidFill>
+                </a14:hiddenFill>
+              </a:ext>
+            </a:extLst>
+          </p:spPr>
+        </p:sp>
+        <p:sp>
+          <p:nvSpPr>
+            <p:cNvPr id="18" name="Freeform 11">
+              <a:extLst>
+                <a:ext uri="{FF2B5EF4-FFF2-40B4-BE49-F238E27FC236}">
+                  <a16:creationId xmlns:a16="http://schemas.microsoft.com/office/drawing/2014/main" id="{080C708C-69BF-441B-AB75-C98160ED06DE}"/>
+                </a:ext>
+                <a:ext uri="{C183D7F6-B498-43B3-948B-1728B52AA6E4}">
+                  <adec:decorative xmlns:adec="http://schemas.microsoft.com/office/drawing/2017/decorative" val="1"/>
+                </a:ext>
+              </a:extLst>
+            </p:cNvPr>
+            <p:cNvSpPr/>
+            <p:nvPr>
+              <p:extLst>
+                <p:ext uri="{386F3935-93C4-4BCD-93E2-E3B085C9AB24}">
+                  <p16:designElem xmlns:p16="http://schemas.microsoft.com/office/powerpoint/2015/main" val="1"/>
+                </p:ext>
+              </p:extLst>
+            </p:nvPr>
+          </p:nvSpPr>
+          <p:spPr bwMode="auto">
+            <a:xfrm>
+              <a:off x="5426601" y="5579"/>
+              <a:ext cx="5788025" cy="6847184"/>
+            </a:xfrm>
+            <a:custGeom>
+              <a:avLst/>
+              <a:gdLst/>
+              <a:ahLst/>
+              <a:cxnLst/>
+              <a:rect l="0" t="0" r="r" b="b"/>
+              <a:pathLst>
+                <a:path w="1216" h="1436">
+                  <a:moveTo>
+                    <a:pt x="1094" y="1436"/>
+                  </a:moveTo>
+                  <a:cubicBezTo>
+                    <a:pt x="1216" y="1114"/>
+                    <a:pt x="904" y="770"/>
+                    <a:pt x="709" y="551"/>
+                  </a:cubicBezTo>
+                  <a:cubicBezTo>
+                    <a:pt x="509" y="327"/>
+                    <a:pt x="274" y="127"/>
+                    <a:pt x="0" y="0"/>
+                  </a:cubicBezTo>
+                </a:path>
+              </a:pathLst>
+            </a:custGeom>
+            <a:noFill/>
+            <a:ln w="9525" cap="flat">
+              <a:solidFill>
+                <a:schemeClr val="tx1">
+                  <a:alpha val="35000"/>
+                </a:schemeClr>
+              </a:solidFill>
+              <a:prstDash val="solid"/>
+              <a:miter lim="800000"/>
+              <a:headEnd/>
+              <a:tailEnd/>
+            </a:ln>
+            <a:extLst>
+              <a:ext uri="{909E8E84-426E-40DD-AFC4-6F175D3DCCD1}">
+                <a14:hiddenFill xmlns:a14="http://schemas.microsoft.com/office/drawing/2010/main">
+                  <a:solidFill>
+                    <a:srgbClr val="FFFFFF"/>
+                  </a:solidFill>
+                </a14:hiddenFill>
+              </a:ext>
+            </a:extLst>
+          </p:spPr>
+        </p:sp>
+        <p:sp>
+          <p:nvSpPr>
+            <p:cNvPr id="19" name="Freeform 12">
+              <a:extLst>
+                <a:ext uri="{FF2B5EF4-FFF2-40B4-BE49-F238E27FC236}">
+                  <a16:creationId xmlns:a16="http://schemas.microsoft.com/office/drawing/2014/main" id="{3E79964E-F8F1-4763-8892-7BC3DAE306E9}"/>
+                </a:ext>
+                <a:ext uri="{C183D7F6-B498-43B3-948B-1728B52AA6E4}">
+                  <adec:decorative xmlns:adec="http://schemas.microsoft.com/office/drawing/2017/decorative" val="1"/>
+                </a:ext>
+              </a:extLst>
+            </p:cNvPr>
+            <p:cNvSpPr/>
+            <p:nvPr>
+              <p:extLst>
+                <p:ext uri="{386F3935-93C4-4BCD-93E2-E3B085C9AB24}">
+                  <p16:designElem xmlns:p16="http://schemas.microsoft.com/office/powerpoint/2015/main" val="1"/>
+                </p:ext>
+              </p:extLst>
+            </p:nvPr>
+          </p:nvSpPr>
+          <p:spPr bwMode="auto">
+            <a:xfrm>
+              <a:off x="-1061" y="5579"/>
+              <a:ext cx="1057275" cy="614491"/>
+            </a:xfrm>
+            <a:custGeom>
+              <a:avLst/>
+              <a:gdLst/>
+              <a:ahLst/>
+              <a:cxnLst/>
+              <a:rect l="0" t="0" r="r" b="b"/>
+              <a:pathLst>
+                <a:path w="222" h="129">
+                  <a:moveTo>
+                    <a:pt x="222" y="0"/>
+                  </a:moveTo>
+                  <a:cubicBezTo>
+                    <a:pt x="152" y="35"/>
+                    <a:pt x="76" y="78"/>
+                    <a:pt x="0" y="129"/>
+                  </a:cubicBezTo>
+                </a:path>
+              </a:pathLst>
+            </a:custGeom>
+            <a:noFill/>
+            <a:ln w="9525" cap="flat">
+              <a:solidFill>
+                <a:schemeClr val="tx1">
+                  <a:alpha val="35000"/>
+                </a:schemeClr>
+              </a:solidFill>
+              <a:prstDash val="solid"/>
+              <a:miter lim="800000"/>
+              <a:headEnd/>
+              <a:tailEnd/>
+            </a:ln>
+            <a:extLst>
+              <a:ext uri="{909E8E84-426E-40DD-AFC4-6F175D3DCCD1}">
+                <a14:hiddenFill xmlns:a14="http://schemas.microsoft.com/office/drawing/2010/main">
+                  <a:solidFill>
+                    <a:srgbClr val="FFFFFF"/>
+                  </a:solidFill>
+                </a14:hiddenFill>
+              </a:ext>
+            </a:extLst>
+          </p:spPr>
+        </p:sp>
+        <p:sp>
+          <p:nvSpPr>
+            <p:cNvPr id="20" name="Freeform 13">
+              <a:extLst>
+                <a:ext uri="{FF2B5EF4-FFF2-40B4-BE49-F238E27FC236}">
+                  <a16:creationId xmlns:a16="http://schemas.microsoft.com/office/drawing/2014/main" id="{FE09592A-FCC9-4AE5-BA0B-730C6F3BBE95}"/>
+                </a:ext>
+                <a:ext uri="{C183D7F6-B498-43B3-948B-1728B52AA6E4}">
+                  <adec:decorative xmlns:adec="http://schemas.microsoft.com/office/drawing/2017/decorative" val="1"/>
+                </a:ext>
+              </a:extLst>
+            </p:cNvPr>
+            <p:cNvSpPr/>
+            <p:nvPr>
+              <p:extLst>
+                <p:ext uri="{386F3935-93C4-4BCD-93E2-E3B085C9AB24}">
+                  <p16:designElem xmlns:p16="http://schemas.microsoft.com/office/powerpoint/2015/main" val="1"/>
+                </p:ext>
+              </p:extLst>
+            </p:nvPr>
+          </p:nvSpPr>
+          <p:spPr bwMode="auto">
+            <a:xfrm>
+              <a:off x="5821889" y="5579"/>
+              <a:ext cx="5588000" cy="6866337"/>
+            </a:xfrm>
+            <a:custGeom>
+              <a:avLst/>
+              <a:gdLst/>
+              <a:ahLst/>
+              <a:cxnLst/>
+              <a:rect l="0" t="0" r="r" b="b"/>
+              <a:pathLst>
+                <a:path w="1174" h="1440">
+                  <a:moveTo>
+                    <a:pt x="1067" y="1440"/>
+                  </a:moveTo>
+                  <a:cubicBezTo>
+                    <a:pt x="1174" y="1124"/>
+                    <a:pt x="887" y="797"/>
+                    <a:pt x="698" y="577"/>
+                  </a:cubicBezTo>
+                  <a:cubicBezTo>
+                    <a:pt x="500" y="348"/>
+                    <a:pt x="270" y="141"/>
+                    <a:pt x="0" y="0"/>
+                  </a:cubicBezTo>
+                </a:path>
+              </a:pathLst>
+            </a:custGeom>
+            <a:noFill/>
+            <a:ln w="9525" cap="flat">
+              <a:solidFill>
+                <a:schemeClr val="tx1">
+                  <a:alpha val="35000"/>
+                </a:schemeClr>
+              </a:solidFill>
+              <a:prstDash val="dash"/>
+              <a:miter lim="800000"/>
+              <a:headEnd/>
+              <a:tailEnd/>
+            </a:ln>
+            <a:extLst>
+              <a:ext uri="{909E8E84-426E-40DD-AFC4-6F175D3DCCD1}">
+                <a14:hiddenFill xmlns:a14="http://schemas.microsoft.com/office/drawing/2010/main">
+                  <a:solidFill>
+                    <a:srgbClr val="FFFFFF"/>
+                  </a:solidFill>
+                </a14:hiddenFill>
+              </a:ext>
+            </a:extLst>
+          </p:spPr>
+        </p:sp>
+        <p:sp>
+          <p:nvSpPr>
+            <p:cNvPr id="21" name="Freeform 14">
+              <a:extLst>
+                <a:ext uri="{FF2B5EF4-FFF2-40B4-BE49-F238E27FC236}">
+                  <a16:creationId xmlns:a16="http://schemas.microsoft.com/office/drawing/2014/main" id="{96448994-820C-4BC1-ABF3-4579C6F99A63}"/>
+                </a:ext>
+                <a:ext uri="{C183D7F6-B498-43B3-948B-1728B52AA6E4}">
+                  <adec:decorative xmlns:adec="http://schemas.microsoft.com/office/drawing/2017/decorative" val="1"/>
+                </a:ext>
+              </a:extLst>
+            </p:cNvPr>
+            <p:cNvSpPr/>
+            <p:nvPr>
+              <p:extLst>
+                <p:ext uri="{386F3935-93C4-4BCD-93E2-E3B085C9AB24}">
+                  <p16:designElem xmlns:p16="http://schemas.microsoft.com/office/powerpoint/2015/main" val="1"/>
+                </p:ext>
+              </p:extLst>
+            </p:nvPr>
+          </p:nvSpPr>
+          <p:spPr bwMode="auto">
+            <a:xfrm>
+              <a:off x="3701" y="790"/>
+              <a:ext cx="595313" cy="352734"/>
+            </a:xfrm>
+            <a:custGeom>
+              <a:avLst/>
+              <a:gdLst/>
+              <a:ahLst/>
+              <a:cxnLst/>
+              <a:rect l="0" t="0" r="r" b="b"/>
+              <a:pathLst>
+                <a:path w="125" h="74">
+                  <a:moveTo>
+                    <a:pt x="125" y="0"/>
+                  </a:moveTo>
+                  <a:cubicBezTo>
+                    <a:pt x="85" y="22"/>
+                    <a:pt x="43" y="47"/>
+                    <a:pt x="0" y="74"/>
+                  </a:cubicBezTo>
+                </a:path>
+              </a:pathLst>
+            </a:custGeom>
+            <a:noFill/>
+            <a:ln w="9525" cap="flat">
+              <a:solidFill>
+                <a:schemeClr val="tx1">
+                  <a:alpha val="35000"/>
+                </a:schemeClr>
+              </a:solidFill>
+              <a:prstDash val="dash"/>
+              <a:miter lim="800000"/>
+              <a:headEnd/>
+              <a:tailEnd/>
+            </a:ln>
+            <a:extLst>
+              <a:ext uri="{909E8E84-426E-40DD-AFC4-6F175D3DCCD1}">
+                <a14:hiddenFill xmlns:a14="http://schemas.microsoft.com/office/drawing/2010/main">
+                  <a:solidFill>
+                    <a:srgbClr val="FFFFFF"/>
+                  </a:solidFill>
+                </a14:hiddenFill>
+              </a:ext>
+            </a:extLst>
+          </p:spPr>
+        </p:sp>
+        <p:sp>
+          <p:nvSpPr>
+            <p:cNvPr id="22" name="Freeform 15">
+              <a:extLst>
+                <a:ext uri="{FF2B5EF4-FFF2-40B4-BE49-F238E27FC236}">
+                  <a16:creationId xmlns:a16="http://schemas.microsoft.com/office/drawing/2014/main" id="{9BB0D192-565A-42B9-B292-CC032D71A6A1}"/>
+                </a:ext>
+                <a:ext uri="{C183D7F6-B498-43B3-948B-1728B52AA6E4}">
+                  <adec:decorative xmlns:adec="http://schemas.microsoft.com/office/drawing/2017/decorative" val="1"/>
+                </a:ext>
+              </a:extLst>
+            </p:cNvPr>
+            <p:cNvSpPr/>
+            <p:nvPr>
+              <p:extLst>
+                <p:ext uri="{386F3935-93C4-4BCD-93E2-E3B085C9AB24}">
+                  <p16:designElem xmlns:p16="http://schemas.microsoft.com/office/powerpoint/2015/main" val="1"/>
+                </p:ext>
+              </p:extLst>
+            </p:nvPr>
+          </p:nvSpPr>
+          <p:spPr bwMode="auto">
+            <a:xfrm>
+              <a:off x="6012389" y="5579"/>
+              <a:ext cx="5497513" cy="6866337"/>
+            </a:xfrm>
+            <a:custGeom>
+              <a:avLst/>
+              <a:gdLst/>
+              <a:ahLst/>
+              <a:cxnLst/>
+              <a:rect l="0" t="0" r="r" b="b"/>
+              <a:pathLst>
+                <a:path w="1155" h="1440">
+                  <a:moveTo>
+                    <a:pt x="1056" y="1440"/>
+                  </a:moveTo>
+                  <a:cubicBezTo>
+                    <a:pt x="1155" y="1123"/>
+                    <a:pt x="875" y="801"/>
+                    <a:pt x="686" y="580"/>
+                  </a:cubicBezTo>
+                  <a:cubicBezTo>
+                    <a:pt x="491" y="352"/>
+                    <a:pt x="264" y="145"/>
+                    <a:pt x="0" y="0"/>
+                  </a:cubicBezTo>
+                </a:path>
+              </a:pathLst>
+            </a:custGeom>
+            <a:noFill/>
+            <a:ln w="12700" cap="flat">
+              <a:solidFill>
+                <a:schemeClr val="tx1">
+                  <a:alpha val="35000"/>
+                </a:schemeClr>
+              </a:solidFill>
+              <a:prstDash val="dashDot"/>
+              <a:miter lim="800000"/>
+              <a:headEnd/>
+              <a:tailEnd/>
+            </a:ln>
+            <a:extLst>
+              <a:ext uri="{909E8E84-426E-40DD-AFC4-6F175D3DCCD1}">
+                <a14:hiddenFill xmlns:a14="http://schemas.microsoft.com/office/drawing/2010/main">
+                  <a:solidFill>
+                    <a:srgbClr val="FFFFFF"/>
+                  </a:solidFill>
+                </a14:hiddenFill>
+              </a:ext>
+            </a:extLst>
+          </p:spPr>
+        </p:sp>
+        <p:sp>
+          <p:nvSpPr>
+            <p:cNvPr id="23" name="Freeform 16">
+              <a:extLst>
+                <a:ext uri="{FF2B5EF4-FFF2-40B4-BE49-F238E27FC236}">
+                  <a16:creationId xmlns:a16="http://schemas.microsoft.com/office/drawing/2014/main" id="{6D1CA09C-5F40-4E92-A7E9-D1FCEE51283D}"/>
+                </a:ext>
+                <a:ext uri="{C183D7F6-B498-43B3-948B-1728B52AA6E4}">
+                  <adec:decorative xmlns:adec="http://schemas.microsoft.com/office/drawing/2017/decorative" val="1"/>
+                </a:ext>
+              </a:extLst>
+            </p:cNvPr>
+            <p:cNvSpPr/>
+            <p:nvPr>
+              <p:extLst>
+                <p:ext uri="{386F3935-93C4-4BCD-93E2-E3B085C9AB24}">
+                  <p16:designElem xmlns:p16="http://schemas.microsoft.com/office/powerpoint/2015/main" val="1"/>
+                </p:ext>
+              </p:extLst>
+            </p:nvPr>
+          </p:nvSpPr>
+          <p:spPr bwMode="auto">
+            <a:xfrm>
+              <a:off x="-1061" y="5579"/>
+              <a:ext cx="357188" cy="213875"/>
+            </a:xfrm>
+            <a:custGeom>
+              <a:avLst/>
+              <a:gdLst/>
+              <a:ahLst/>
+              <a:cxnLst/>
+              <a:rect l="0" t="0" r="r" b="b"/>
+              <a:pathLst>
+                <a:path w="75" h="45">
+                  <a:moveTo>
+                    <a:pt x="75" y="0"/>
+                  </a:moveTo>
+                  <a:cubicBezTo>
+                    <a:pt x="50" y="14"/>
+                    <a:pt x="25" y="29"/>
+                    <a:pt x="0" y="45"/>
+                  </a:cubicBezTo>
+                </a:path>
+              </a:pathLst>
+            </a:custGeom>
+            <a:noFill/>
+            <a:ln w="12700" cap="flat">
+              <a:solidFill>
+                <a:schemeClr val="tx1">
+                  <a:alpha val="35000"/>
+                </a:schemeClr>
+              </a:solidFill>
+              <a:prstDash val="dashDot"/>
+              <a:miter lim="800000"/>
+              <a:headEnd/>
+              <a:tailEnd/>
+            </a:ln>
+            <a:extLst>
+              <a:ext uri="{909E8E84-426E-40DD-AFC4-6F175D3DCCD1}">
+                <a14:hiddenFill xmlns:a14="http://schemas.microsoft.com/office/drawing/2010/main">
+                  <a:solidFill>
+                    <a:srgbClr val="FFFFFF"/>
+                  </a:solidFill>
+                </a14:hiddenFill>
+              </a:ext>
+            </a:extLst>
+          </p:spPr>
+        </p:sp>
+        <p:sp>
+          <p:nvSpPr>
+            <p:cNvPr id="24" name="Freeform 17">
+              <a:extLst>
+                <a:ext uri="{FF2B5EF4-FFF2-40B4-BE49-F238E27FC236}">
+                  <a16:creationId xmlns:a16="http://schemas.microsoft.com/office/drawing/2014/main" id="{379F5AA5-2E14-4880-A5A6-07AEF2AD89DB}"/>
+                </a:ext>
+                <a:ext uri="{C183D7F6-B498-43B3-948B-1728B52AA6E4}">
+                  <adec:decorative xmlns:adec="http://schemas.microsoft.com/office/drawing/2017/decorative" val="1"/>
+                </a:ext>
+              </a:extLst>
+            </p:cNvPr>
+            <p:cNvSpPr/>
+            <p:nvPr>
+              <p:extLst>
+                <p:ext uri="{386F3935-93C4-4BCD-93E2-E3B085C9AB24}">
+                  <p16:designElem xmlns:p16="http://schemas.microsoft.com/office/powerpoint/2015/main" val="1"/>
+                </p:ext>
+              </p:extLst>
+            </p:nvPr>
+          </p:nvSpPr>
+          <p:spPr bwMode="auto">
+            <a:xfrm>
+              <a:off x="6210826" y="790"/>
+              <a:ext cx="5522913" cy="6871126"/>
+            </a:xfrm>
+            <a:custGeom>
+              <a:avLst/>
+              <a:gdLst/>
+              <a:ahLst/>
+              <a:cxnLst/>
+              <a:rect l="0" t="0" r="r" b="b"/>
+              <a:pathLst>
+                <a:path w="1160" h="1441">
+                  <a:moveTo>
+                    <a:pt x="1053" y="1441"/>
+                  </a:moveTo>
+                  <a:cubicBezTo>
+                    <a:pt x="1160" y="1129"/>
+                    <a:pt x="892" y="817"/>
+                    <a:pt x="705" y="599"/>
+                  </a:cubicBezTo>
+                  <a:cubicBezTo>
+                    <a:pt x="503" y="365"/>
+                    <a:pt x="270" y="152"/>
+                    <a:pt x="0" y="0"/>
+                  </a:cubicBezTo>
+                </a:path>
+              </a:pathLst>
+            </a:custGeom>
+            <a:noFill/>
+            <a:ln w="9525" cap="flat">
+              <a:solidFill>
+                <a:schemeClr val="tx1">
+                  <a:alpha val="35000"/>
+                </a:schemeClr>
+              </a:solidFill>
+              <a:prstDash val="solid"/>
+              <a:miter lim="800000"/>
+              <a:headEnd/>
+              <a:tailEnd/>
+            </a:ln>
+            <a:extLst>
+              <a:ext uri="{909E8E84-426E-40DD-AFC4-6F175D3DCCD1}">
+                <a14:hiddenFill xmlns:a14="http://schemas.microsoft.com/office/drawing/2010/main">
+                  <a:solidFill>
+                    <a:srgbClr val="FFFFFF"/>
+                  </a:solidFill>
+                </a14:hiddenFill>
+              </a:ext>
+            </a:extLst>
+          </p:spPr>
+        </p:sp>
+        <p:sp>
+          <p:nvSpPr>
+            <p:cNvPr id="25" name="Freeform 18">
+              <a:extLst>
+                <a:ext uri="{FF2B5EF4-FFF2-40B4-BE49-F238E27FC236}">
+                  <a16:creationId xmlns:a16="http://schemas.microsoft.com/office/drawing/2014/main" id="{EF14BD32-D239-4DA3-98B3-7752073657CC}"/>
+                </a:ext>
+                <a:ext uri="{C183D7F6-B498-43B3-948B-1728B52AA6E4}">
+                  <adec:decorative xmlns:adec="http://schemas.microsoft.com/office/drawing/2017/decorative" val="1"/>
+                </a:ext>
+              </a:extLst>
+            </p:cNvPr>
+            <p:cNvSpPr/>
+            <p:nvPr>
+              <p:extLst>
+                <p:ext uri="{386F3935-93C4-4BCD-93E2-E3B085C9AB24}">
+                  <p16:designElem xmlns:p16="http://schemas.microsoft.com/office/powerpoint/2015/main" val="1"/>
+                </p:ext>
+              </p:extLst>
+            </p:nvPr>
+          </p:nvSpPr>
+          <p:spPr bwMode="auto">
+            <a:xfrm>
+              <a:off x="6463239" y="5579"/>
+              <a:ext cx="5413375" cy="6866337"/>
+            </a:xfrm>
+            <a:custGeom>
+              <a:avLst/>
+              <a:gdLst/>
+              <a:ahLst/>
+              <a:cxnLst/>
+              <a:rect l="0" t="0" r="r" b="b"/>
+              <a:pathLst>
+                <a:path w="1137" h="1440">
+                  <a:moveTo>
+                    <a:pt x="1040" y="1440"/>
+                  </a:moveTo>
+                  <a:cubicBezTo>
+                    <a:pt x="1137" y="1131"/>
+                    <a:pt x="883" y="828"/>
+                    <a:pt x="698" y="611"/>
+                  </a:cubicBezTo>
+                  <a:cubicBezTo>
+                    <a:pt x="498" y="375"/>
+                    <a:pt x="268" y="159"/>
+                    <a:pt x="0" y="0"/>
+                  </a:cubicBezTo>
+                </a:path>
+              </a:pathLst>
+            </a:custGeom>
+            <a:noFill/>
+            <a:ln w="9525" cap="flat">
+              <a:solidFill>
+                <a:schemeClr val="tx1">
+                  <a:alpha val="35000"/>
+                </a:schemeClr>
+              </a:solidFill>
+              <a:prstDash val="solid"/>
+              <a:miter lim="800000"/>
+              <a:headEnd/>
+              <a:tailEnd/>
+            </a:ln>
+            <a:extLst>
+              <a:ext uri="{909E8E84-426E-40DD-AFC4-6F175D3DCCD1}">
+                <a14:hiddenFill xmlns:a14="http://schemas.microsoft.com/office/drawing/2010/main">
+                  <a:solidFill>
+                    <a:srgbClr val="FFFFFF"/>
+                  </a:solidFill>
+                </a14:hiddenFill>
+              </a:ext>
+            </a:extLst>
+          </p:spPr>
+        </p:sp>
+        <p:sp>
+          <p:nvSpPr>
+            <p:cNvPr id="26" name="Freeform 19">
+              <a:extLst>
+                <a:ext uri="{FF2B5EF4-FFF2-40B4-BE49-F238E27FC236}">
+                  <a16:creationId xmlns:a16="http://schemas.microsoft.com/office/drawing/2014/main" id="{CF07B250-E5E4-4624-9BD7-8D513A67B731}"/>
+                </a:ext>
+                <a:ext uri="{C183D7F6-B498-43B3-948B-1728B52AA6E4}">
+                  <adec:decorative xmlns:adec="http://schemas.microsoft.com/office/drawing/2017/decorative" val="1"/>
+                </a:ext>
+              </a:extLst>
+            </p:cNvPr>
+            <p:cNvSpPr/>
+            <p:nvPr>
+              <p:extLst>
+                <p:ext uri="{386F3935-93C4-4BCD-93E2-E3B085C9AB24}">
+                  <p16:designElem xmlns:p16="http://schemas.microsoft.com/office/powerpoint/2015/main" val="1"/>
+                </p:ext>
+              </p:extLst>
+            </p:nvPr>
+          </p:nvSpPr>
+          <p:spPr bwMode="auto">
+            <a:xfrm>
+              <a:off x="6877576" y="5579"/>
+              <a:ext cx="5037138" cy="6861550"/>
+            </a:xfrm>
+            <a:custGeom>
+              <a:avLst/>
+              <a:gdLst/>
+              <a:ahLst/>
+              <a:cxnLst/>
+              <a:rect l="0" t="0" r="r" b="b"/>
+              <a:pathLst>
+                <a:path w="1058" h="1439">
+                  <a:moveTo>
+                    <a:pt x="1011" y="1439"/>
+                  </a:moveTo>
+                  <a:cubicBezTo>
+                    <a:pt x="1058" y="1131"/>
+                    <a:pt x="825" y="841"/>
+                    <a:pt x="648" y="617"/>
+                  </a:cubicBezTo>
+                  <a:cubicBezTo>
+                    <a:pt x="462" y="383"/>
+                    <a:pt x="248" y="168"/>
+                    <a:pt x="0" y="0"/>
+                  </a:cubicBezTo>
+                </a:path>
+              </a:pathLst>
+            </a:custGeom>
+            <a:noFill/>
+            <a:ln w="9525" cap="flat">
+              <a:solidFill>
+                <a:schemeClr val="tx1">
+                  <a:alpha val="35000"/>
+                </a:schemeClr>
+              </a:solidFill>
+              <a:prstDash val="solid"/>
+              <a:miter lim="800000"/>
+              <a:headEnd/>
+              <a:tailEnd/>
+            </a:ln>
+            <a:extLst>
+              <a:ext uri="{909E8E84-426E-40DD-AFC4-6F175D3DCCD1}">
+                <a14:hiddenFill xmlns:a14="http://schemas.microsoft.com/office/drawing/2010/main">
+                  <a:solidFill>
+                    <a:srgbClr val="FFFFFF"/>
+                  </a:solidFill>
+                </a14:hiddenFill>
+              </a:ext>
+            </a:extLst>
+          </p:spPr>
+        </p:sp>
+        <p:sp>
+          <p:nvSpPr>
+            <p:cNvPr id="27" name="Freeform 20">
+              <a:extLst>
+                <a:ext uri="{FF2B5EF4-FFF2-40B4-BE49-F238E27FC236}">
+                  <a16:creationId xmlns:a16="http://schemas.microsoft.com/office/drawing/2014/main" id="{BCC5D120-7C8C-4290-865C-4EE6E4F245F9}"/>
+                </a:ext>
+                <a:ext uri="{C183D7F6-B498-43B3-948B-1728B52AA6E4}">
+                  <adec:decorative xmlns:adec="http://schemas.microsoft.com/office/drawing/2017/decorative" val="1"/>
+                </a:ext>
+              </a:extLst>
+            </p:cNvPr>
+            <p:cNvSpPr/>
+            <p:nvPr>
+              <p:extLst>
+                <p:ext uri="{386F3935-93C4-4BCD-93E2-E3B085C9AB24}">
+                  <p16:designElem xmlns:p16="http://schemas.microsoft.com/office/powerpoint/2015/main" val="1"/>
+                </p:ext>
+              </p:extLst>
+            </p:nvPr>
+          </p:nvSpPr>
+          <p:spPr bwMode="auto">
+            <a:xfrm>
+              <a:off x="8768289" y="5579"/>
+              <a:ext cx="3417888" cy="2742066"/>
+            </a:xfrm>
+            <a:custGeom>
+              <a:avLst/>
+              <a:gdLst/>
+              <a:ahLst/>
+              <a:cxnLst/>
+              <a:rect l="0" t="0" r="r" b="b"/>
+              <a:pathLst>
+                <a:path w="718" h="575">
+                  <a:moveTo>
+                    <a:pt x="718" y="575"/>
+                  </a:moveTo>
+                  <a:cubicBezTo>
+                    <a:pt x="500" y="360"/>
+                    <a:pt x="260" y="163"/>
+                    <a:pt x="0" y="0"/>
+                  </a:cubicBezTo>
+                </a:path>
+              </a:pathLst>
+            </a:custGeom>
+            <a:noFill/>
+            <a:ln w="9525" cap="flat">
+              <a:solidFill>
+                <a:schemeClr val="tx1">
+                  <a:alpha val="35000"/>
+                </a:schemeClr>
+              </a:solidFill>
+              <a:prstDash val="solid"/>
+              <a:miter lim="800000"/>
+              <a:headEnd/>
+              <a:tailEnd/>
+            </a:ln>
+            <a:extLst>
+              <a:ext uri="{909E8E84-426E-40DD-AFC4-6F175D3DCCD1}">
+                <a14:hiddenFill xmlns:a14="http://schemas.microsoft.com/office/drawing/2010/main">
+                  <a:solidFill>
+                    <a:srgbClr val="FFFFFF"/>
+                  </a:solidFill>
+                </a14:hiddenFill>
+              </a:ext>
+            </a:extLst>
+          </p:spPr>
+        </p:sp>
+        <p:sp>
+          <p:nvSpPr>
+            <p:cNvPr id="28" name="Freeform 21">
+              <a:extLst>
+                <a:ext uri="{FF2B5EF4-FFF2-40B4-BE49-F238E27FC236}">
+                  <a16:creationId xmlns:a16="http://schemas.microsoft.com/office/drawing/2014/main" id="{C24688C6-CAE5-4EF2-B2BA-A138DA0A24B9}"/>
+                </a:ext>
+                <a:ext uri="{C183D7F6-B498-43B3-948B-1728B52AA6E4}">
+                  <adec:decorative xmlns:adec="http://schemas.microsoft.com/office/drawing/2017/decorative" val="1"/>
+                </a:ext>
+              </a:extLst>
+            </p:cNvPr>
+            <p:cNvSpPr/>
+            <p:nvPr>
+              <p:extLst>
+                <p:ext uri="{386F3935-93C4-4BCD-93E2-E3B085C9AB24}">
+                  <p16:designElem xmlns:p16="http://schemas.microsoft.com/office/powerpoint/2015/main" val="1"/>
+                </p:ext>
+              </p:extLst>
+            </p:nvPr>
+          </p:nvSpPr>
+          <p:spPr bwMode="auto">
+            <a:xfrm>
+              <a:off x="9235014" y="10367"/>
+              <a:ext cx="2951163" cy="2555325"/>
+            </a:xfrm>
+            <a:custGeom>
+              <a:avLst/>
+              <a:gdLst/>
+              <a:ahLst/>
+              <a:cxnLst/>
+              <a:rect l="0" t="0" r="r" b="b"/>
+              <a:pathLst>
+                <a:path w="620" h="536">
+                  <a:moveTo>
+                    <a:pt x="620" y="536"/>
+                  </a:moveTo>
+                  <a:cubicBezTo>
+                    <a:pt x="404" y="314"/>
+                    <a:pt x="196" y="138"/>
+                    <a:pt x="0" y="0"/>
+                  </a:cubicBezTo>
+                </a:path>
+              </a:pathLst>
+            </a:custGeom>
+            <a:noFill/>
+            <a:ln w="9525" cap="flat">
+              <a:solidFill>
+                <a:schemeClr val="tx1">
+                  <a:alpha val="35000"/>
+                </a:schemeClr>
+              </a:solidFill>
+              <a:prstDash val="solid"/>
+              <a:miter lim="800000"/>
+              <a:headEnd/>
+              <a:tailEnd/>
+            </a:ln>
+            <a:extLst>
+              <a:ext uri="{909E8E84-426E-40DD-AFC4-6F175D3DCCD1}">
+                <a14:hiddenFill xmlns:a14="http://schemas.microsoft.com/office/drawing/2010/main">
+                  <a:solidFill>
+                    <a:srgbClr val="FFFFFF"/>
+                  </a:solidFill>
+                </a14:hiddenFill>
+              </a:ext>
+            </a:extLst>
+          </p:spPr>
+        </p:sp>
+        <p:sp>
+          <p:nvSpPr>
+            <p:cNvPr id="29" name="Freeform 22">
+              <a:extLst>
+                <a:ext uri="{FF2B5EF4-FFF2-40B4-BE49-F238E27FC236}">
+                  <a16:creationId xmlns:a16="http://schemas.microsoft.com/office/drawing/2014/main" id="{6BD31099-7C13-4901-A04F-632B1CD84627}"/>
+                </a:ext>
+                <a:ext uri="{C183D7F6-B498-43B3-948B-1728B52AA6E4}">
+                  <adec:decorative xmlns:adec="http://schemas.microsoft.com/office/drawing/2017/decorative" val="1"/>
+                </a:ext>
+              </a:extLst>
+            </p:cNvPr>
+            <p:cNvSpPr/>
+            <p:nvPr>
+              <p:extLst>
+                <p:ext uri="{386F3935-93C4-4BCD-93E2-E3B085C9AB24}">
+                  <p16:designElem xmlns:p16="http://schemas.microsoft.com/office/powerpoint/2015/main" val="1"/>
+                </p:ext>
+              </p:extLst>
+            </p:nvPr>
+          </p:nvSpPr>
+          <p:spPr bwMode="auto">
+            <a:xfrm>
+              <a:off x="10020826" y="5579"/>
+              <a:ext cx="2165350" cy="1358265"/>
+            </a:xfrm>
+            <a:custGeom>
+              <a:avLst/>
+              <a:gdLst/>
+              <a:ahLst/>
+              <a:cxnLst/>
+              <a:rect l="0" t="0" r="r" b="b"/>
+              <a:pathLst>
+                <a:path w="455" h="285">
+                  <a:moveTo>
+                    <a:pt x="0" y="0"/>
+                  </a:moveTo>
+                  <a:cubicBezTo>
+                    <a:pt x="153" y="85"/>
+                    <a:pt x="308" y="180"/>
+                    <a:pt x="455" y="285"/>
+                  </a:cubicBezTo>
+                </a:path>
+              </a:pathLst>
+            </a:custGeom>
+            <a:noFill/>
+            <a:ln w="9525" cap="flat">
+              <a:solidFill>
+                <a:schemeClr val="tx1">
+                  <a:alpha val="35000"/>
+                </a:schemeClr>
+              </a:solidFill>
+              <a:prstDash val="dash"/>
+              <a:miter lim="800000"/>
+              <a:headEnd/>
+              <a:tailEnd/>
+            </a:ln>
+            <a:extLst>
+              <a:ext uri="{909E8E84-426E-40DD-AFC4-6F175D3DCCD1}">
+                <a14:hiddenFill xmlns:a14="http://schemas.microsoft.com/office/drawing/2010/main">
+                  <a:solidFill>
+                    <a:srgbClr val="FFFFFF"/>
+                  </a:solidFill>
+                </a14:hiddenFill>
+              </a:ext>
+            </a:extLst>
+          </p:spPr>
+        </p:sp>
+        <p:sp>
+          <p:nvSpPr>
+            <p:cNvPr id="30" name="Freeform 23">
+              <a:extLst>
+                <a:ext uri="{FF2B5EF4-FFF2-40B4-BE49-F238E27FC236}">
+                  <a16:creationId xmlns:a16="http://schemas.microsoft.com/office/drawing/2014/main" id="{679F5FF7-82B2-4033-8FBE-63170C937833}"/>
+                </a:ext>
+                <a:ext uri="{C183D7F6-B498-43B3-948B-1728B52AA6E4}">
+                  <adec:decorative xmlns:adec="http://schemas.microsoft.com/office/drawing/2017/decorative" val="1"/>
+                </a:ext>
+              </a:extLst>
+            </p:cNvPr>
+            <p:cNvSpPr/>
+            <p:nvPr>
+              <p:extLst>
+                <p:ext uri="{386F3935-93C4-4BCD-93E2-E3B085C9AB24}">
+                  <p16:designElem xmlns:p16="http://schemas.microsoft.com/office/powerpoint/2015/main" val="1"/>
+                </p:ext>
+              </p:extLst>
+            </p:nvPr>
+          </p:nvSpPr>
+          <p:spPr bwMode="auto">
+            <a:xfrm>
+              <a:off x="11290826" y="5579"/>
+              <a:ext cx="895350" cy="534687"/>
+            </a:xfrm>
+            <a:custGeom>
+              <a:avLst/>
+              <a:gdLst/>
+              <a:ahLst/>
+              <a:cxnLst/>
+              <a:rect l="0" t="0" r="r" b="b"/>
+              <a:pathLst>
+                <a:path w="188" h="112">
+                  <a:moveTo>
+                    <a:pt x="0" y="0"/>
+                  </a:moveTo>
+                  <a:cubicBezTo>
+                    <a:pt x="63" y="36"/>
+                    <a:pt x="126" y="73"/>
+                    <a:pt x="188" y="112"/>
+                  </a:cubicBezTo>
+                </a:path>
+              </a:pathLst>
+            </a:custGeom>
+            <a:noFill/>
+            <a:ln w="9525" cap="flat">
+              <a:solidFill>
+                <a:schemeClr val="tx1">
+                  <a:alpha val="35000"/>
+                </a:schemeClr>
+              </a:solidFill>
+              <a:prstDash val="solid"/>
+              <a:miter lim="800000"/>
+              <a:headEnd/>
+              <a:tailEnd/>
+            </a:ln>
+            <a:extLst>
+              <a:ext uri="{909E8E84-426E-40DD-AFC4-6F175D3DCCD1}">
+                <a14:hiddenFill xmlns:a14="http://schemas.microsoft.com/office/drawing/2010/main">
+                  <a:solidFill>
+                    <a:srgbClr val="FFFFFF"/>
+                  </a:solidFill>
+                </a14:hiddenFill>
+              </a:ext>
+            </a:extLst>
+          </p:spPr>
+        </p:sp>
+      </p:grpSp>
+      <p:sp>
+        <p:nvSpPr>
           <p:cNvPr id="2" name="제목 1">
             <a:extLst>
               <a:ext uri="{FF2B5EF4-FFF2-40B4-BE49-F238E27FC236}">
@@ -5267,18 +7305,224 @@
             <p:ph type="title"/>
           </p:nvPr>
         </p:nvSpPr>
-        <p:spPr/>
-        <p:txBody>
-          <a:bodyPr/>
-          <a:lstStyle/>
-          <a:p>
-            <a:r>
-              <a:rPr lang="ko-KR" altLang="en-US" dirty="0"/>
-              <a:t>여백</a:t>
-            </a:r>
-          </a:p>
-        </p:txBody>
-      </p:sp>
+        <p:spPr>
+          <a:xfrm>
+            <a:off x="888631" y="4760132"/>
+            <a:ext cx="3947420" cy="1777829"/>
+          </a:xfrm>
+        </p:spPr>
+        <p:txBody>
+          <a:bodyPr>
+            <a:normAutofit/>
+          </a:bodyPr>
+          <a:lstStyle/>
+          <a:p>
+            <a:r>
+              <a:rPr lang="ko-KR" altLang="en-US" sz="4000"/>
+              <a:t>문제분석</a:t>
+            </a:r>
+          </a:p>
+        </p:txBody>
+      </p:sp>
+      <p:sp>
+        <p:nvSpPr>
+          <p:cNvPr id="32" name="Freeform: Shape 31">
+            <a:extLst>
+              <a:ext uri="{FF2B5EF4-FFF2-40B4-BE49-F238E27FC236}">
+                <a16:creationId xmlns:a16="http://schemas.microsoft.com/office/drawing/2014/main" id="{44C110BA-81E8-4247-853A-5F2B93E92E46}"/>
+              </a:ext>
+              <a:ext uri="{C183D7F6-B498-43B3-948B-1728B52AA6E4}">
+                <adec:decorative xmlns:adec="http://schemas.microsoft.com/office/drawing/2017/decorative" val="1"/>
+              </a:ext>
+            </a:extLst>
+          </p:cNvPr>
+          <p:cNvSpPr>
+            <a:spLocks noGrp="1" noRot="1" noChangeAspect="1" noMove="1" noResize="1" noEditPoints="1" noAdjustHandles="1" noChangeArrowheads="1" noChangeShapeType="1" noTextEdit="1"/>
+          </p:cNvSpPr>
+          <p:nvPr>
+            <p:extLst>
+              <p:ext uri="{386F3935-93C4-4BCD-93E2-E3B085C9AB24}">
+                <p16:designElem xmlns:p16="http://schemas.microsoft.com/office/powerpoint/2015/main" val="1"/>
+              </p:ext>
+            </p:extLst>
+          </p:nvPr>
+        </p:nvSpPr>
+        <p:spPr>
+          <a:xfrm>
+            <a:off x="0" y="0"/>
+            <a:ext cx="12192000" cy="4537825"/>
+          </a:xfrm>
+          <a:custGeom>
+            <a:avLst/>
+            <a:gdLst>
+              <a:gd name="connsiteX0" fmla="*/ 0 w 12192000"/>
+              <a:gd name="connsiteY0" fmla="*/ 0 h 4537825"/>
+              <a:gd name="connsiteX1" fmla="*/ 12192000 w 12192000"/>
+              <a:gd name="connsiteY1" fmla="*/ 0 h 4537825"/>
+              <a:gd name="connsiteX2" fmla="*/ 12192000 w 12192000"/>
+              <a:gd name="connsiteY2" fmla="*/ 3020937 h 4537825"/>
+              <a:gd name="connsiteX3" fmla="*/ 12192000 w 12192000"/>
+              <a:gd name="connsiteY3" fmla="*/ 3213062 h 4537825"/>
+              <a:gd name="connsiteX4" fmla="*/ 12192000 w 12192000"/>
+              <a:gd name="connsiteY4" fmla="*/ 4188880 h 4537825"/>
+              <a:gd name="connsiteX5" fmla="*/ 12113803 w 12192000"/>
+              <a:gd name="connsiteY5" fmla="*/ 4197163 h 4537825"/>
+              <a:gd name="connsiteX6" fmla="*/ 6753597 w 12192000"/>
+              <a:gd name="connsiteY6" fmla="*/ 4520720 h 4537825"/>
+              <a:gd name="connsiteX7" fmla="*/ 400746 w 12192000"/>
+              <a:gd name="connsiteY7" fmla="*/ 4349377 h 4537825"/>
+              <a:gd name="connsiteX8" fmla="*/ 0 w 12192000"/>
+              <a:gd name="connsiteY8" fmla="*/ 4312401 h 4537825"/>
+              <a:gd name="connsiteX9" fmla="*/ 0 w 12192000"/>
+              <a:gd name="connsiteY9" fmla="*/ 3213062 h 4537825"/>
+              <a:gd name="connsiteX10" fmla="*/ 0 w 12192000"/>
+              <a:gd name="connsiteY10" fmla="*/ 3020937 h 4537825"/>
+            </a:gdLst>
+            <a:ahLst/>
+            <a:cxnLst>
+              <a:cxn ang="0">
+                <a:pos x="connsiteX0" y="connsiteY0"/>
+              </a:cxn>
+              <a:cxn ang="0">
+                <a:pos x="connsiteX1" y="connsiteY1"/>
+              </a:cxn>
+              <a:cxn ang="0">
+                <a:pos x="connsiteX2" y="connsiteY2"/>
+              </a:cxn>
+              <a:cxn ang="0">
+                <a:pos x="connsiteX3" y="connsiteY3"/>
+              </a:cxn>
+              <a:cxn ang="0">
+                <a:pos x="connsiteX4" y="connsiteY4"/>
+              </a:cxn>
+              <a:cxn ang="0">
+                <a:pos x="connsiteX5" y="connsiteY5"/>
+              </a:cxn>
+              <a:cxn ang="0">
+                <a:pos x="connsiteX6" y="connsiteY6"/>
+              </a:cxn>
+              <a:cxn ang="0">
+                <a:pos x="connsiteX7" y="connsiteY7"/>
+              </a:cxn>
+              <a:cxn ang="0">
+                <a:pos x="connsiteX8" y="connsiteY8"/>
+              </a:cxn>
+              <a:cxn ang="0">
+                <a:pos x="connsiteX9" y="connsiteY9"/>
+              </a:cxn>
+              <a:cxn ang="0">
+                <a:pos x="connsiteX10" y="connsiteY10"/>
+              </a:cxn>
+            </a:cxnLst>
+            <a:rect l="l" t="t" r="r" b="b"/>
+            <a:pathLst>
+              <a:path w="12192000" h="4537825">
+                <a:moveTo>
+                  <a:pt x="0" y="0"/>
+                </a:moveTo>
+                <a:lnTo>
+                  <a:pt x="12192000" y="0"/>
+                </a:lnTo>
+                <a:lnTo>
+                  <a:pt x="12192000" y="3020937"/>
+                </a:lnTo>
+                <a:lnTo>
+                  <a:pt x="12192000" y="3213062"/>
+                </a:lnTo>
+                <a:lnTo>
+                  <a:pt x="12192000" y="4188880"/>
+                </a:lnTo>
+                <a:lnTo>
+                  <a:pt x="12113803" y="4197163"/>
+                </a:lnTo>
+                <a:cubicBezTo>
+                  <a:pt x="10139508" y="4395112"/>
+                  <a:pt x="8237152" y="4488115"/>
+                  <a:pt x="6753597" y="4520720"/>
+                </a:cubicBezTo>
+                <a:cubicBezTo>
+                  <a:pt x="4940362" y="4560569"/>
+                  <a:pt x="2657278" y="4541239"/>
+                  <a:pt x="400746" y="4349377"/>
+                </a:cubicBezTo>
+                <a:lnTo>
+                  <a:pt x="0" y="4312401"/>
+                </a:lnTo>
+                <a:lnTo>
+                  <a:pt x="0" y="3213062"/>
+                </a:lnTo>
+                <a:lnTo>
+                  <a:pt x="0" y="3020937"/>
+                </a:lnTo>
+                <a:close/>
+              </a:path>
+            </a:pathLst>
+          </a:custGeom>
+          <a:solidFill>
+            <a:schemeClr val="tx1"/>
+          </a:solidFill>
+          <a:ln w="44450">
+            <a:noFill/>
+          </a:ln>
+          <a:effectLst/>
+        </p:spPr>
+        <p:style>
+          <a:lnRef idx="2">
+            <a:schemeClr val="accent1">
+              <a:shade val="50000"/>
+            </a:schemeClr>
+          </a:lnRef>
+          <a:fillRef idx="1003">
+            <a:schemeClr val="dk2"/>
+          </a:fillRef>
+          <a:effectRef idx="0">
+            <a:schemeClr val="accent1"/>
+          </a:effectRef>
+          <a:fontRef idx="minor">
+            <a:schemeClr val="lt1"/>
+          </a:fontRef>
+        </p:style>
+        <p:txBody>
+          <a:bodyPr wrap="square" rtlCol="0" anchor="ctr">
+            <a:noAutofit/>
+          </a:bodyPr>
+          <a:lstStyle/>
+          <a:p>
+            <a:pPr algn="ctr"/>
+            <a:endParaRPr lang="en-US"/>
+          </a:p>
+        </p:txBody>
+      </p:sp>
+      <p:pic>
+        <p:nvPicPr>
+          <p:cNvPr id="4" name="그림 3">
+            <a:extLst>
+              <a:ext uri="{FF2B5EF4-FFF2-40B4-BE49-F238E27FC236}">
+                <a16:creationId xmlns:a16="http://schemas.microsoft.com/office/drawing/2014/main" id="{08159D4A-52B3-4A64-A84F-9BEACFDF506B}"/>
+              </a:ext>
+            </a:extLst>
+          </p:cNvPr>
+          <p:cNvPicPr>
+            <a:picLocks noChangeAspect="1"/>
+          </p:cNvPicPr>
+          <p:nvPr/>
+        </p:nvPicPr>
+        <p:blipFill>
+          <a:blip r:embed="rId3"/>
+          <a:stretch>
+            <a:fillRect/>
+          </a:stretch>
+        </p:blipFill>
+        <p:spPr>
+          <a:xfrm>
+            <a:off x="532867" y="474192"/>
+            <a:ext cx="10914060" cy="1746249"/>
+          </a:xfrm>
+          <a:prstGeom prst="rect">
+            <a:avLst/>
+          </a:prstGeom>
+        </p:spPr>
+      </p:pic>
       <p:sp>
         <p:nvSpPr>
           <p:cNvPr id="3" name="내용 개체 틀 2">
@@ -5295,283 +7539,241 @@
             <p:ph idx="1"/>
           </p:nvPr>
         </p:nvSpPr>
-        <p:spPr/>
-        <p:txBody>
-          <a:bodyPr/>
-          <a:lstStyle/>
-          <a:p>
-            <a:endParaRPr lang="ko-KR" altLang="en-US"/>
-          </a:p>
-        </p:txBody>
-      </p:sp>
-    </p:spTree>
-    <p:extLst>
-      <p:ext uri="{BB962C8B-B14F-4D97-AF65-F5344CB8AC3E}">
-        <p14:creationId xmlns:p14="http://schemas.microsoft.com/office/powerpoint/2010/main" val="2356548339"/>
-      </p:ext>
-    </p:extLst>
-  </p:cSld>
-  <p:clrMapOvr>
-    <a:masterClrMapping/>
-  </p:clrMapOvr>
-</p:sld>
-</file>
-
-<file path=ppt/slides/slide21.xml><?xml version="1.0" encoding="utf-8"?>
-<p:sld xmlns:a="http://schemas.openxmlformats.org/drawingml/2006/main" xmlns:r="http://schemas.openxmlformats.org/officeDocument/2006/relationships" xmlns:p="http://schemas.openxmlformats.org/presentationml/2006/main">
-  <p:cSld>
-    <p:spTree>
-      <p:nvGrpSpPr>
-        <p:cNvPr id="1" name=""/>
-        <p:cNvGrpSpPr/>
-        <p:nvPr/>
-      </p:nvGrpSpPr>
-      <p:grpSpPr>
-        <a:xfrm>
-          <a:off x="0" y="0"/>
-          <a:ext cx="0" cy="0"/>
-          <a:chOff x="0" y="0"/>
-          <a:chExt cx="0" cy="0"/>
-        </a:xfrm>
-      </p:grpSpPr>
-      <p:sp>
-        <p:nvSpPr>
-          <p:cNvPr id="2" name="제목 1">
-            <a:extLst>
-              <a:ext uri="{FF2B5EF4-FFF2-40B4-BE49-F238E27FC236}">
-                <a16:creationId xmlns:a16="http://schemas.microsoft.com/office/drawing/2014/main" id="{656447A5-5F91-4E3A-9ABB-512BECB06527}"/>
-              </a:ext>
-            </a:extLst>
-          </p:cNvPr>
-          <p:cNvSpPr>
-            <a:spLocks noGrp="1"/>
-          </p:cNvSpPr>
-          <p:nvPr>
-            <p:ph type="title"/>
-          </p:nvPr>
-        </p:nvSpPr>
-        <p:spPr/>
-        <p:txBody>
-          <a:bodyPr/>
-          <a:lstStyle/>
-          <a:p>
-            <a:r>
-              <a:rPr lang="ko-KR" altLang="en-US" dirty="0"/>
-              <a:t>여백</a:t>
-            </a:r>
-          </a:p>
-        </p:txBody>
-      </p:sp>
-      <p:sp>
-        <p:nvSpPr>
-          <p:cNvPr id="3" name="내용 개체 틀 2">
-            <a:extLst>
-              <a:ext uri="{FF2B5EF4-FFF2-40B4-BE49-F238E27FC236}">
-                <a16:creationId xmlns:a16="http://schemas.microsoft.com/office/drawing/2014/main" id="{62C4ACB3-65B5-4F03-9AB8-5D48E7257DDC}"/>
-              </a:ext>
-            </a:extLst>
-          </p:cNvPr>
-          <p:cNvSpPr>
-            <a:spLocks noGrp="1"/>
-          </p:cNvSpPr>
-          <p:nvPr>
-            <p:ph idx="1"/>
-          </p:nvPr>
-        </p:nvSpPr>
-        <p:spPr/>
-        <p:txBody>
-          <a:bodyPr/>
-          <a:lstStyle/>
-          <a:p>
-            <a:endParaRPr lang="ko-KR" altLang="en-US"/>
-          </a:p>
-        </p:txBody>
-      </p:sp>
-    </p:spTree>
-    <p:extLst>
-      <p:ext uri="{BB962C8B-B14F-4D97-AF65-F5344CB8AC3E}">
-        <p14:creationId xmlns:p14="http://schemas.microsoft.com/office/powerpoint/2010/main" val="172576382"/>
-      </p:ext>
-    </p:extLst>
-  </p:cSld>
-  <p:clrMapOvr>
-    <a:masterClrMapping/>
-  </p:clrMapOvr>
-</p:sld>
-</file>
-
-<file path=ppt/slides/slide22.xml><?xml version="1.0" encoding="utf-8"?>
-<p:sld xmlns:a="http://schemas.openxmlformats.org/drawingml/2006/main" xmlns:r="http://schemas.openxmlformats.org/officeDocument/2006/relationships" xmlns:p="http://schemas.openxmlformats.org/presentationml/2006/main">
-  <p:cSld>
-    <p:spTree>
-      <p:nvGrpSpPr>
-        <p:cNvPr id="1" name=""/>
-        <p:cNvGrpSpPr/>
-        <p:nvPr/>
-      </p:nvGrpSpPr>
-      <p:grpSpPr>
-        <a:xfrm>
-          <a:off x="0" y="0"/>
-          <a:ext cx="0" cy="0"/>
-          <a:chOff x="0" y="0"/>
-          <a:chExt cx="0" cy="0"/>
-        </a:xfrm>
-      </p:grpSpPr>
-      <p:sp>
-        <p:nvSpPr>
-          <p:cNvPr id="2" name="제목 1">
-            <a:extLst>
-              <a:ext uri="{FF2B5EF4-FFF2-40B4-BE49-F238E27FC236}">
-                <a16:creationId xmlns:a16="http://schemas.microsoft.com/office/drawing/2014/main" id="{656447A5-5F91-4E3A-9ABB-512BECB06527}"/>
-              </a:ext>
-            </a:extLst>
-          </p:cNvPr>
-          <p:cNvSpPr>
-            <a:spLocks noGrp="1"/>
-          </p:cNvSpPr>
-          <p:nvPr>
-            <p:ph type="title"/>
-          </p:nvPr>
-        </p:nvSpPr>
-        <p:spPr/>
-        <p:txBody>
-          <a:bodyPr/>
-          <a:lstStyle/>
-          <a:p>
-            <a:r>
-              <a:rPr lang="ko-KR" altLang="en-US" dirty="0"/>
-              <a:t>출처</a:t>
-            </a:r>
-          </a:p>
-        </p:txBody>
-      </p:sp>
-      <p:sp>
-        <p:nvSpPr>
-          <p:cNvPr id="3" name="내용 개체 틀 2">
-            <a:extLst>
-              <a:ext uri="{FF2B5EF4-FFF2-40B4-BE49-F238E27FC236}">
-                <a16:creationId xmlns:a16="http://schemas.microsoft.com/office/drawing/2014/main" id="{62C4ACB3-65B5-4F03-9AB8-5D48E7257DDC}"/>
-              </a:ext>
-            </a:extLst>
-          </p:cNvPr>
-          <p:cNvSpPr>
-            <a:spLocks noGrp="1"/>
-          </p:cNvSpPr>
-          <p:nvPr>
-            <p:ph idx="1"/>
-          </p:nvPr>
-        </p:nvSpPr>
-        <p:spPr/>
-        <p:txBody>
-          <a:bodyPr/>
-          <a:lstStyle/>
-          <a:p>
-            <a:endParaRPr lang="ko-KR" altLang="en-US"/>
-          </a:p>
-        </p:txBody>
-      </p:sp>
-    </p:spTree>
-    <p:extLst>
-      <p:ext uri="{BB962C8B-B14F-4D97-AF65-F5344CB8AC3E}">
-        <p14:creationId xmlns:p14="http://schemas.microsoft.com/office/powerpoint/2010/main" val="3265665736"/>
-      </p:ext>
-    </p:extLst>
-  </p:cSld>
-  <p:clrMapOvr>
-    <a:masterClrMapping/>
-  </p:clrMapOvr>
-</p:sld>
-</file>
-
-<file path=ppt/slides/slide3.xml><?xml version="1.0" encoding="utf-8"?>
-<p:sld xmlns:a="http://schemas.openxmlformats.org/drawingml/2006/main" xmlns:r="http://schemas.openxmlformats.org/officeDocument/2006/relationships" xmlns:p="http://schemas.openxmlformats.org/presentationml/2006/main">
-  <p:cSld>
-    <p:spTree>
-      <p:nvGrpSpPr>
-        <p:cNvPr id="1" name=""/>
-        <p:cNvGrpSpPr/>
-        <p:nvPr/>
-      </p:nvGrpSpPr>
-      <p:grpSpPr>
-        <a:xfrm>
-          <a:off x="0" y="0"/>
-          <a:ext cx="0" cy="0"/>
-          <a:chOff x="0" y="0"/>
-          <a:chExt cx="0" cy="0"/>
-        </a:xfrm>
-      </p:grpSpPr>
-      <p:sp>
-        <p:nvSpPr>
-          <p:cNvPr id="2" name="제목 1">
-            <a:extLst>
-              <a:ext uri="{FF2B5EF4-FFF2-40B4-BE49-F238E27FC236}">
-                <a16:creationId xmlns:a16="http://schemas.microsoft.com/office/drawing/2014/main" id="{656447A5-5F91-4E3A-9ABB-512BECB06527}"/>
-              </a:ext>
-            </a:extLst>
-          </p:cNvPr>
-          <p:cNvSpPr>
-            <a:spLocks noGrp="1"/>
-          </p:cNvSpPr>
-          <p:nvPr>
-            <p:ph type="title"/>
-          </p:nvPr>
-        </p:nvSpPr>
-        <p:spPr/>
-        <p:txBody>
-          <a:bodyPr/>
-          <a:lstStyle/>
-          <a:p>
-            <a:r>
-              <a:rPr lang="ko-KR" altLang="en-US"/>
-              <a:t>문제분석</a:t>
-            </a:r>
-            <a:endParaRPr lang="ko-KR" altLang="en-US" dirty="0"/>
-          </a:p>
-        </p:txBody>
-      </p:sp>
-      <p:sp>
-        <p:nvSpPr>
-          <p:cNvPr id="3" name="내용 개체 틀 2">
-            <a:extLst>
-              <a:ext uri="{FF2B5EF4-FFF2-40B4-BE49-F238E27FC236}">
-                <a16:creationId xmlns:a16="http://schemas.microsoft.com/office/drawing/2014/main" id="{62C4ACB3-65B5-4F03-9AB8-5D48E7257DDC}"/>
-              </a:ext>
-            </a:extLst>
-          </p:cNvPr>
-          <p:cNvSpPr>
-            <a:spLocks noGrp="1"/>
-          </p:cNvSpPr>
-          <p:nvPr>
-            <p:ph idx="1"/>
-          </p:nvPr>
-        </p:nvSpPr>
-        <p:spPr/>
-        <p:txBody>
-          <a:bodyPr/>
-          <a:lstStyle/>
-          <a:p>
-            <a:r>
-              <a:rPr lang="ko-KR" altLang="en-US"/>
+        <p:spPr>
+          <a:xfrm>
+            <a:off x="5118447" y="4767660"/>
+            <a:ext cx="6281873" cy="1770300"/>
+          </a:xfrm>
+        </p:spPr>
+        <p:txBody>
+          <a:bodyPr anchor="ctr">
+            <a:normAutofit/>
+          </a:bodyPr>
+          <a:lstStyle/>
+          <a:p>
+            <a:r>
+              <a:rPr lang="ko-KR" altLang="en-US" sz="1800" dirty="0"/>
               <a:t>라면형제</a:t>
             </a:r>
-            <a:endParaRPr lang="en-US" altLang="ko-KR"/>
-          </a:p>
-          <a:p>
-            <a:r>
-              <a:rPr lang="ko-KR" altLang="en-US"/>
+            <a:endParaRPr lang="en-US" altLang="ko-KR" sz="1800" dirty="0"/>
+          </a:p>
+          <a:p>
+            <a:r>
+              <a:rPr lang="ko-KR" altLang="en-US" sz="1800" dirty="0"/>
               <a:t>가정폭력 코로나</a:t>
             </a:r>
-            <a:endParaRPr lang="en-US" altLang="ko-KR"/>
-          </a:p>
-          <a:p>
-            <a:r>
-              <a:rPr lang="ko-KR" altLang="en-US"/>
+            <a:r>
+              <a:rPr lang="en-US" altLang="ko-KR" sz="1800" dirty="0"/>
+              <a:t>(</a:t>
+            </a:r>
+            <a:r>
+              <a:rPr lang="ko-KR" altLang="en-US" sz="1800" dirty="0"/>
+              <a:t>논문</a:t>
+            </a:r>
+            <a:r>
+              <a:rPr lang="en-US" altLang="ko-KR" sz="1800" dirty="0"/>
+              <a:t>)</a:t>
+            </a:r>
+          </a:p>
+          <a:p>
+            <a:r>
+              <a:rPr lang="ko-KR" altLang="en-US" sz="1800" dirty="0"/>
               <a:t>방치되는 아이들</a:t>
             </a:r>
-            <a:endParaRPr lang="ko-KR" altLang="en-US" dirty="0"/>
-          </a:p>
-        </p:txBody>
-      </p:sp>
+          </a:p>
+        </p:txBody>
+      </p:sp>
+      <p:grpSp>
+        <p:nvGrpSpPr>
+          <p:cNvPr id="7" name="그룹 6">
+            <a:extLst>
+              <a:ext uri="{FF2B5EF4-FFF2-40B4-BE49-F238E27FC236}">
+                <a16:creationId xmlns:a16="http://schemas.microsoft.com/office/drawing/2014/main" id="{B83A6533-623C-4971-AB77-8C3E9FAE0595}"/>
+              </a:ext>
+            </a:extLst>
+          </p:cNvPr>
+          <p:cNvGrpSpPr/>
+          <p:nvPr/>
+        </p:nvGrpSpPr>
+        <p:grpSpPr>
+          <a:xfrm>
+            <a:off x="7692092" y="1521124"/>
+            <a:ext cx="3829457" cy="2552971"/>
+            <a:chOff x="7692092" y="1521124"/>
+            <a:chExt cx="3829457" cy="2552971"/>
+          </a:xfrm>
+        </p:grpSpPr>
+        <p:pic>
+          <p:nvPicPr>
+            <p:cNvPr id="5" name="그림 4">
+              <a:extLst>
+                <a:ext uri="{FF2B5EF4-FFF2-40B4-BE49-F238E27FC236}">
+                  <a16:creationId xmlns:a16="http://schemas.microsoft.com/office/drawing/2014/main" id="{11A226F9-C1E9-4E7E-89E6-B29F144285A5}"/>
+                </a:ext>
+              </a:extLst>
+            </p:cNvPr>
+            <p:cNvPicPr>
+              <a:picLocks noChangeAspect="1"/>
+            </p:cNvPicPr>
+            <p:nvPr/>
+          </p:nvPicPr>
+          <p:blipFill>
+            <a:blip r:embed="rId4"/>
+            <a:stretch>
+              <a:fillRect/>
+            </a:stretch>
+          </p:blipFill>
+          <p:spPr>
+            <a:xfrm>
+              <a:off x="7692092" y="1521124"/>
+              <a:ext cx="3829457" cy="2552971"/>
+            </a:xfrm>
+            <a:prstGeom prst="rect">
+              <a:avLst/>
+            </a:prstGeom>
+          </p:spPr>
+        </p:pic>
+        <p:sp>
+          <p:nvSpPr>
+            <p:cNvPr id="6" name="직사각형 5">
+              <a:extLst>
+                <a:ext uri="{FF2B5EF4-FFF2-40B4-BE49-F238E27FC236}">
+                  <a16:creationId xmlns:a16="http://schemas.microsoft.com/office/drawing/2014/main" id="{9AB786C5-5867-4907-AAD2-7E0BBF1D52F6}"/>
+                </a:ext>
+              </a:extLst>
+            </p:cNvPr>
+            <p:cNvSpPr/>
+            <p:nvPr/>
+          </p:nvSpPr>
+          <p:spPr>
+            <a:xfrm>
+              <a:off x="9130400" y="2458549"/>
+              <a:ext cx="1142677" cy="236084"/>
+            </a:xfrm>
+            <a:prstGeom prst="rect">
+              <a:avLst/>
+            </a:prstGeom>
+            <a:noFill/>
+            <a:ln w="57150">
+              <a:solidFill>
+                <a:srgbClr val="FF0000"/>
+              </a:solidFill>
+            </a:ln>
+          </p:spPr>
+          <p:style>
+            <a:lnRef idx="2">
+              <a:schemeClr val="accent1">
+                <a:shade val="50000"/>
+              </a:schemeClr>
+            </a:lnRef>
+            <a:fillRef idx="1">
+              <a:schemeClr val="accent1"/>
+            </a:fillRef>
+            <a:effectRef idx="0">
+              <a:schemeClr val="accent1"/>
+            </a:effectRef>
+            <a:fontRef idx="minor">
+              <a:schemeClr val="lt1"/>
+            </a:fontRef>
+          </p:style>
+          <p:txBody>
+            <a:bodyPr rtlCol="0" anchor="ctr"/>
+            <a:lstStyle/>
+            <a:p>
+              <a:pPr algn="ctr"/>
+              <a:endParaRPr lang="ko-KR" altLang="en-US"/>
+            </a:p>
+          </p:txBody>
+        </p:sp>
+        <p:sp>
+          <p:nvSpPr>
+            <p:cNvPr id="31" name="직사각형 30">
+              <a:extLst>
+                <a:ext uri="{FF2B5EF4-FFF2-40B4-BE49-F238E27FC236}">
+                  <a16:creationId xmlns:a16="http://schemas.microsoft.com/office/drawing/2014/main" id="{38F8FEA1-9329-4EAA-B7A3-CB303C74D15E}"/>
+                </a:ext>
+              </a:extLst>
+            </p:cNvPr>
+            <p:cNvSpPr/>
+            <p:nvPr/>
+          </p:nvSpPr>
+          <p:spPr>
+            <a:xfrm>
+              <a:off x="7698055" y="3600884"/>
+              <a:ext cx="1812655" cy="307597"/>
+            </a:xfrm>
+            <a:prstGeom prst="rect">
+              <a:avLst/>
+            </a:prstGeom>
+            <a:noFill/>
+            <a:ln w="57150">
+              <a:solidFill>
+                <a:srgbClr val="FF0000"/>
+              </a:solidFill>
+            </a:ln>
+          </p:spPr>
+          <p:style>
+            <a:lnRef idx="2">
+              <a:schemeClr val="accent1">
+                <a:shade val="50000"/>
+              </a:schemeClr>
+            </a:lnRef>
+            <a:fillRef idx="1">
+              <a:schemeClr val="accent1"/>
+            </a:fillRef>
+            <a:effectRef idx="0">
+              <a:schemeClr val="accent1"/>
+            </a:effectRef>
+            <a:fontRef idx="minor">
+              <a:schemeClr val="lt1"/>
+            </a:fontRef>
+          </p:style>
+          <p:txBody>
+            <a:bodyPr rtlCol="0" anchor="ctr"/>
+            <a:lstStyle/>
+            <a:p>
+              <a:pPr algn="ctr"/>
+              <a:endParaRPr lang="ko-KR" altLang="en-US"/>
+            </a:p>
+          </p:txBody>
+        </p:sp>
+      </p:grpSp>
+      <p:pic>
+        <p:nvPicPr>
+          <p:cNvPr id="10" name="그림 9" descr="실외, 물, 사람, 남자이(가) 표시된 사진&#10;&#10;자동 생성된 설명">
+            <a:extLst>
+              <a:ext uri="{FF2B5EF4-FFF2-40B4-BE49-F238E27FC236}">
+                <a16:creationId xmlns:a16="http://schemas.microsoft.com/office/drawing/2014/main" id="{C6BF0569-D944-4C2D-9879-CED2A3C7A299}"/>
+              </a:ext>
+            </a:extLst>
+          </p:cNvPr>
+          <p:cNvPicPr>
+            <a:picLocks noChangeAspect="1"/>
+          </p:cNvPicPr>
+          <p:nvPr/>
+        </p:nvPicPr>
+        <p:blipFill>
+          <a:blip r:embed="rId5">
+            <a:extLst>
+              <a:ext uri="{28A0092B-C50C-407E-A947-70E740481C1C}">
+                <a14:useLocalDpi xmlns:a14="http://schemas.microsoft.com/office/drawing/2010/main" val="0"/>
+              </a:ext>
+            </a:extLst>
+          </a:blip>
+          <a:stretch>
+            <a:fillRect/>
+          </a:stretch>
+        </p:blipFill>
+        <p:spPr>
+          <a:xfrm>
+            <a:off x="3715672" y="1505789"/>
+            <a:ext cx="3829457" cy="2552971"/>
+          </a:xfrm>
+          <a:prstGeom prst="rect">
+            <a:avLst/>
+          </a:prstGeom>
+        </p:spPr>
+      </p:pic>
     </p:spTree>
     <p:extLst>
       <p:ext uri="{BB962C8B-B14F-4D97-AF65-F5344CB8AC3E}">
@@ -5580,7 +7782,7 @@
     </p:extLst>
   </p:cSld>
   <p:clrMapOvr>
-    <a:masterClrMapping/>
+    <a:overrideClrMapping bg1="dk1" tx1="lt1" bg2="dk2" tx2="lt2" accent1="accent1" accent2="accent2" accent3="accent3" accent4="accent4" accent5="accent5" accent6="accent6" hlink="hlink" folHlink="folHlink"/>
   </p:clrMapOvr>
 </p:sld>
 </file>
@@ -5624,411 +7826,69 @@
           <a:lstStyle/>
           <a:p>
             <a:r>
-              <a:rPr lang="ko-KR" altLang="en-US"/>
-              <a:t>목표</a:t>
-            </a:r>
-            <a:endParaRPr lang="ko-KR" altLang="en-US" dirty="0"/>
-          </a:p>
-        </p:txBody>
-      </p:sp>
-      <p:sp>
-        <p:nvSpPr>
-          <p:cNvPr id="3" name="내용 개체 틀 2">
-            <a:extLst>
-              <a:ext uri="{FF2B5EF4-FFF2-40B4-BE49-F238E27FC236}">
-                <a16:creationId xmlns:a16="http://schemas.microsoft.com/office/drawing/2014/main" id="{62C4ACB3-65B5-4F03-9AB8-5D48E7257DDC}"/>
-              </a:ext>
-            </a:extLst>
-          </p:cNvPr>
-          <p:cNvSpPr>
-            <a:spLocks noGrp="1"/>
-          </p:cNvSpPr>
-          <p:nvPr>
-            <p:ph idx="1"/>
-          </p:nvPr>
-        </p:nvSpPr>
-        <p:spPr/>
-        <p:txBody>
-          <a:bodyPr/>
-          <a:lstStyle/>
-          <a:p>
-            <a:r>
-              <a:rPr lang="ko-KR" altLang="en-US"/>
-              <a:t>빅데이터 분석을 통한 돌봄수요 예측</a:t>
-            </a:r>
-            <a:endParaRPr lang="en-US" altLang="ko-KR"/>
-          </a:p>
-          <a:p>
-            <a:r>
-              <a:rPr lang="ko-KR" altLang="en-US"/>
-              <a:t>수요예측을 통한 행정동 별 돌봄시설 분배</a:t>
-            </a:r>
-            <a:endParaRPr lang="en-US" altLang="ko-KR"/>
-          </a:p>
-          <a:p>
-            <a:r>
-              <a:rPr lang="ko-KR" altLang="en-US"/>
-              <a:t>최적입지 선정</a:t>
-            </a:r>
-            <a:endParaRPr lang="en-US" altLang="ko-KR"/>
-          </a:p>
-          <a:p>
-            <a:pPr marL="0" indent="0">
-              <a:buNone/>
-            </a:pPr>
-            <a:endParaRPr lang="en-US" altLang="ko-KR" dirty="0"/>
-          </a:p>
-        </p:txBody>
-      </p:sp>
-      <p:sp>
-        <p:nvSpPr>
-          <p:cNvPr id="4" name="TextBox 3">
-            <a:extLst>
-              <a:ext uri="{FF2B5EF4-FFF2-40B4-BE49-F238E27FC236}">
-                <a16:creationId xmlns:a16="http://schemas.microsoft.com/office/drawing/2014/main" id="{26FDD95A-350E-4298-8925-BD0FD2C00743}"/>
-              </a:ext>
-            </a:extLst>
-          </p:cNvPr>
-          <p:cNvSpPr txBox="1"/>
-          <p:nvPr/>
-        </p:nvSpPr>
-        <p:spPr>
-          <a:xfrm>
-            <a:off x="838200" y="3249529"/>
-            <a:ext cx="16379164" cy="3970318"/>
-          </a:xfrm>
-          <a:prstGeom prst="rect">
-            <a:avLst/>
-          </a:prstGeom>
-          <a:noFill/>
-        </p:spPr>
-        <p:txBody>
-          <a:bodyPr wrap="none" rtlCol="0">
-            <a:spAutoFit/>
-          </a:bodyPr>
-          <a:lstStyle/>
-          <a:p>
-            <a:r>
-              <a:rPr lang="en-US" altLang="ko-KR" dirty="0"/>
-              <a:t>1</a:t>
-            </a:r>
-            <a:r>
-              <a:rPr lang="ko-KR" altLang="en-US" dirty="0"/>
-              <a:t>단계</a:t>
-            </a:r>
-            <a:r>
-              <a:rPr lang="en-US" altLang="ko-KR" dirty="0"/>
-              <a:t>. </a:t>
-            </a:r>
-            <a:r>
-              <a:rPr lang="ko-KR" altLang="en-US" dirty="0"/>
-              <a:t>돌봄 수요 예측</a:t>
-            </a:r>
-          </a:p>
-          <a:p>
-            <a:pPr>
-              <a:buFont typeface="Arial" panose="020B0604020202020204" pitchFamily="34" charset="0"/>
-              <a:buChar char="•"/>
-            </a:pPr>
-            <a:r>
-              <a:rPr lang="ko-KR" altLang="en-US" dirty="0"/>
-              <a:t>데이터</a:t>
-            </a:r>
-            <a:r>
-              <a:rPr lang="en-US" altLang="ko-KR" dirty="0"/>
-              <a:t>: </a:t>
-            </a:r>
-            <a:r>
-              <a:rPr lang="ko-KR" altLang="en-US" dirty="0"/>
-              <a:t>행정동 단위 만 </a:t>
-            </a:r>
-            <a:r>
-              <a:rPr lang="en-US" altLang="ko-KR" dirty="0"/>
-              <a:t>6</a:t>
-            </a:r>
-            <a:r>
-              <a:rPr lang="ko-KR" altLang="en-US" dirty="0"/>
-              <a:t>세 </a:t>
-            </a:r>
-            <a:r>
-              <a:rPr lang="en-US" altLang="ko-KR" dirty="0"/>
-              <a:t>~ 12</a:t>
-            </a:r>
-            <a:r>
-              <a:rPr lang="ko-KR" altLang="en-US" dirty="0"/>
-              <a:t>세 주거 인원</a:t>
-            </a:r>
-          </a:p>
-          <a:p>
-            <a:pPr>
-              <a:buFont typeface="Arial" panose="020B0604020202020204" pitchFamily="34" charset="0"/>
-              <a:buChar char="•"/>
-            </a:pPr>
-            <a:r>
               <a:rPr lang="ko-KR" altLang="en-US" dirty="0"/>
               <a:t>목표</a:t>
             </a:r>
-            <a:r>
-              <a:rPr lang="en-US" altLang="ko-KR" dirty="0"/>
-              <a:t>: </a:t>
-            </a:r>
-            <a:r>
-              <a:rPr lang="ko-KR" altLang="en-US" dirty="0"/>
-              <a:t>빅데이터 분석을 통한 돌봄 수요 예측 </a:t>
-            </a:r>
-          </a:p>
-          <a:p>
-            <a:pPr marL="742950" lvl="1" indent="-285750">
-              <a:buFont typeface="Arial" panose="020B0604020202020204" pitchFamily="34" charset="0"/>
-              <a:buChar char="•"/>
-            </a:pPr>
-            <a:r>
-              <a:rPr lang="ko-KR" altLang="en-US" dirty="0"/>
-              <a:t>참고기사</a:t>
-            </a:r>
-            <a:r>
-              <a:rPr lang="en-US" altLang="ko-KR" dirty="0"/>
-              <a:t>: </a:t>
-            </a:r>
+          </a:p>
+        </p:txBody>
+      </p:sp>
+      <p:sp>
+        <p:nvSpPr>
+          <p:cNvPr id="6" name="내용 개체 틀 5">
+            <a:extLst>
+              <a:ext uri="{FF2B5EF4-FFF2-40B4-BE49-F238E27FC236}">
+                <a16:creationId xmlns:a16="http://schemas.microsoft.com/office/drawing/2014/main" id="{5D4D9875-6561-4097-891B-4F5919F6AF1C}"/>
+              </a:ext>
+            </a:extLst>
+          </p:cNvPr>
+          <p:cNvSpPr>
+            <a:spLocks noGrp="1"/>
+          </p:cNvSpPr>
+          <p:nvPr>
+            <p:ph idx="1"/>
+          </p:nvPr>
+        </p:nvSpPr>
+        <p:spPr/>
+        <p:txBody>
+          <a:bodyPr/>
+          <a:lstStyle/>
+          <a:p>
             <a:r>
               <a:rPr lang="ko-KR" altLang="en-US" dirty="0" err="1"/>
-              <a:t>행안부</a:t>
+              <a:t>행정동별</a:t>
             </a:r>
             <a:r>
               <a:rPr lang="ko-KR" altLang="en-US" dirty="0"/>
               <a:t> </a:t>
             </a:r>
             <a:r>
-              <a:rPr lang="en-US" altLang="ko-KR" dirty="0">
-                <a:hlinkClick r:id="rId2"/>
-              </a:rPr>
-              <a:t>http://www.aptn.co.kr/news/articleView.html?idxno=77077</a:t>
-            </a:r>
-            <a:endParaRPr lang="ko-KR" altLang="en-US" dirty="0"/>
-          </a:p>
-          <a:p>
-            <a:pPr marL="742950" lvl="1" indent="-285750">
-              <a:buFont typeface="Arial" panose="020B0604020202020204" pitchFamily="34" charset="0"/>
-              <a:buChar char="•"/>
-            </a:pPr>
-            <a:r>
               <a:rPr lang="ko-KR" altLang="en-US" dirty="0" err="1"/>
-              <a:t>행안부</a:t>
+              <a:t>돌봄필요지수</a:t>
             </a:r>
             <a:r>
               <a:rPr lang="ko-KR" altLang="en-US" dirty="0"/>
-              <a:t> 블로그 </a:t>
-            </a:r>
-            <a:r>
-              <a:rPr lang="en-US" altLang="ko-KR" dirty="0"/>
-              <a:t>: </a:t>
-            </a:r>
-            <a:r>
-              <a:rPr lang="en-US" altLang="ko-KR" dirty="0">
-                <a:hlinkClick r:id="rId3"/>
-              </a:rPr>
-              <a:t>https://m.blog.naver.com/PostView.nhn?blogId=mopaspr&amp;logNo=222038307177&amp;proxyReferer=https:%2F%2Fwww.google.com%2F</a:t>
-            </a:r>
-            <a:endParaRPr lang="ko-KR" altLang="en-US" dirty="0"/>
-          </a:p>
-          <a:p>
-            <a:pPr>
-              <a:buFont typeface="Arial" panose="020B0604020202020204" pitchFamily="34" charset="0"/>
-              <a:buChar char="•"/>
-            </a:pPr>
+              <a:t> </a:t>
+            </a:r>
+            <a:endParaRPr lang="en-US" altLang="ko-KR" dirty="0"/>
+          </a:p>
+          <a:p>
+            <a:endParaRPr lang="en-US" altLang="ko-KR" dirty="0"/>
+          </a:p>
+          <a:p>
             <a:r>
               <a:rPr lang="ko-KR" altLang="en-US" dirty="0"/>
-              <a:t>방법</a:t>
-            </a:r>
-            <a:r>
-              <a:rPr lang="en-US" altLang="ko-KR" dirty="0"/>
-              <a:t>: </a:t>
-            </a:r>
+              <a:t>돌봄 틈새 필터링</a:t>
+            </a:r>
+            <a:endParaRPr lang="en-US" altLang="ko-KR" dirty="0"/>
+          </a:p>
+          <a:p>
+            <a:endParaRPr lang="en-US" altLang="ko-KR" dirty="0"/>
+          </a:p>
+          <a:p>
             <a:r>
               <a:rPr lang="ko-KR" altLang="en-US" dirty="0"/>
-              <a:t>주변환경 분석을 통한 돌봄 수요 예측</a:t>
-            </a:r>
-          </a:p>
-          <a:p>
-            <a:r>
-              <a:rPr lang="en-US" altLang="ko-KR" dirty="0"/>
-              <a:t>2</a:t>
-            </a:r>
-            <a:r>
-              <a:rPr lang="ko-KR" altLang="en-US" dirty="0"/>
-              <a:t>단계</a:t>
-            </a:r>
-            <a:r>
-              <a:rPr lang="en-US" altLang="ko-KR" dirty="0"/>
-              <a:t>. </a:t>
-            </a:r>
-            <a:r>
-              <a:rPr lang="ko-KR" altLang="en-US" dirty="0"/>
-              <a:t>행정동 별 </a:t>
-            </a:r>
-            <a:r>
-              <a:rPr lang="ko-KR" altLang="en-US" dirty="0" err="1"/>
-              <a:t>돌봄시설</a:t>
-            </a:r>
-            <a:r>
-              <a:rPr lang="ko-KR" altLang="en-US" dirty="0"/>
-              <a:t> 분배</a:t>
-            </a:r>
-          </a:p>
-          <a:p>
-            <a:pPr>
-              <a:buFont typeface="Arial" panose="020B0604020202020204" pitchFamily="34" charset="0"/>
-              <a:buChar char="•"/>
-            </a:pPr>
-            <a:r>
-              <a:rPr lang="ko-KR" altLang="en-US" dirty="0"/>
-              <a:t>목표</a:t>
-            </a:r>
-            <a:r>
-              <a:rPr lang="en-US" altLang="ko-KR" dirty="0"/>
-              <a:t>: </a:t>
-            </a:r>
-            <a:r>
-              <a:rPr lang="ko-KR" altLang="en-US" dirty="0"/>
-              <a:t>각 시설 당 </a:t>
-            </a:r>
-            <a:r>
-              <a:rPr lang="ko-KR" altLang="en-US" dirty="0" err="1"/>
-              <a:t>돌봄수요</a:t>
-            </a:r>
-            <a:r>
-              <a:rPr lang="en-US" altLang="ko-KR" dirty="0"/>
-              <a:t>(</a:t>
-            </a:r>
-            <a:r>
-              <a:rPr lang="ko-KR" altLang="en-US" dirty="0"/>
-              <a:t>초등학생 수</a:t>
-            </a:r>
-            <a:r>
-              <a:rPr lang="en-US" altLang="ko-KR" dirty="0"/>
-              <a:t>)</a:t>
-            </a:r>
-            <a:r>
-              <a:rPr lang="ko-KR" altLang="en-US" dirty="0"/>
-              <a:t>가 고르게 분배되도록</a:t>
-            </a:r>
-          </a:p>
-          <a:p>
-            <a:pPr>
-              <a:buFont typeface="Arial" panose="020B0604020202020204" pitchFamily="34" charset="0"/>
-              <a:buChar char="•"/>
-            </a:pPr>
-            <a:r>
-              <a:rPr lang="ko-KR" altLang="en-US" dirty="0"/>
-              <a:t>현재 </a:t>
-            </a:r>
-            <a:r>
-              <a:rPr lang="en-US" altLang="ko-KR" dirty="0"/>
-              <a:t>89</a:t>
-            </a:r>
-            <a:r>
-              <a:rPr lang="ko-KR" altLang="en-US" dirty="0"/>
-              <a:t>개소</a:t>
-            </a:r>
-            <a:r>
-              <a:rPr lang="en-US" altLang="ko-KR" dirty="0"/>
-              <a:t>, 2022</a:t>
-            </a:r>
-            <a:r>
-              <a:rPr lang="ko-KR" altLang="en-US" dirty="0"/>
-              <a:t>년까지 </a:t>
-            </a:r>
-            <a:r>
-              <a:rPr lang="en-US" altLang="ko-KR" dirty="0"/>
-              <a:t>400</a:t>
-            </a:r>
-            <a:r>
-              <a:rPr lang="ko-KR" altLang="en-US" dirty="0"/>
-              <a:t>개소 설치 예정 → 고르게 분배</a:t>
-            </a:r>
-          </a:p>
-          <a:p>
-            <a:r>
-              <a:rPr lang="en-US" altLang="ko-KR" dirty="0"/>
-              <a:t>3</a:t>
-            </a:r>
-            <a:r>
-              <a:rPr lang="ko-KR" altLang="en-US" dirty="0"/>
-              <a:t>단계</a:t>
-            </a:r>
-            <a:r>
-              <a:rPr lang="en-US" altLang="ko-KR" dirty="0"/>
-              <a:t>. </a:t>
-            </a:r>
-            <a:r>
-              <a:rPr lang="ko-KR" altLang="en-US" dirty="0"/>
-              <a:t>최적 입지 선정 </a:t>
-            </a:r>
-            <a:r>
-              <a:rPr lang="en-US" altLang="ko-KR" dirty="0"/>
-              <a:t>(</a:t>
-            </a:r>
-            <a:r>
-              <a:rPr lang="ko-KR" altLang="en-US" dirty="0"/>
-              <a:t>프로젝트 진행 상황에 맞춰 유동적으로 변경</a:t>
-            </a:r>
-            <a:r>
-              <a:rPr lang="en-US" altLang="ko-KR" dirty="0"/>
-              <a:t>)</a:t>
-            </a:r>
-          </a:p>
-          <a:p>
-            <a:pPr>
-              <a:buFont typeface="Arial" panose="020B0604020202020204" pitchFamily="34" charset="0"/>
-              <a:buChar char="•"/>
-            </a:pPr>
-            <a:r>
-              <a:rPr lang="ko-KR" altLang="en-US" dirty="0"/>
-              <a:t>특성이 뚜렷한 행정동 </a:t>
-            </a:r>
-            <a:r>
-              <a:rPr lang="en-US" altLang="ko-KR" dirty="0"/>
-              <a:t>1-2</a:t>
-            </a:r>
-            <a:r>
-              <a:rPr lang="ko-KR" altLang="en-US" dirty="0"/>
-              <a:t>개 정도 선정</a:t>
-            </a:r>
-          </a:p>
-          <a:p>
-            <a:pPr>
-              <a:buFont typeface="Arial" panose="020B0604020202020204" pitchFamily="34" charset="0"/>
-              <a:buChar char="•"/>
-            </a:pPr>
-            <a:r>
-              <a:rPr lang="ko-KR" altLang="en-US" dirty="0"/>
-              <a:t>실제로 설치해야 할 구역 </a:t>
-            </a:r>
-            <a:r>
-              <a:rPr lang="en-US" altLang="ko-KR" dirty="0"/>
-              <a:t>OR </a:t>
-            </a:r>
-            <a:r>
-              <a:rPr lang="ko-KR" altLang="en-US" dirty="0"/>
-              <a:t>현재 어린이 관련 시설</a:t>
-            </a:r>
-            <a:r>
-              <a:rPr lang="en-US" altLang="ko-KR" dirty="0"/>
-              <a:t>(?)</a:t>
-            </a:r>
-            <a:r>
-              <a:rPr lang="ko-KR" altLang="en-US" dirty="0"/>
-              <a:t>들 중 최적 후보 추천</a:t>
-            </a:r>
-          </a:p>
-          <a:p>
-            <a:r>
-              <a:rPr lang="ko-KR" altLang="en-US" dirty="0"/>
-              <a:t>⇒ 데이터 수집이나 프로젝트 진행상황에 따라 조정</a:t>
-            </a:r>
-          </a:p>
-          <a:p>
-            <a:endParaRPr lang="ko-KR" altLang="en-US" dirty="0"/>
+              <a:t>최적입지 선정</a:t>
+            </a:r>
           </a:p>
         </p:txBody>
       </p:sp>
@@ -6084,12 +7944,8 @@
           <a:lstStyle/>
           <a:p>
             <a:r>
-              <a:rPr lang="ko-KR" altLang="en-US"/>
-              <a:t>데이터 </a:t>
-            </a:r>
-            <a:r>
-              <a:rPr lang="en-US" altLang="ko-KR"/>
-              <a:t>EDA</a:t>
+              <a:rPr lang="ko-KR" altLang="en-US" dirty="0" err="1"/>
+              <a:t>돌봄필요지수</a:t>
             </a:r>
             <a:endParaRPr lang="ko-KR" altLang="en-US" dirty="0"/>
           </a:p>
@@ -6115,62 +7971,101 @@
         <p:txBody>
           <a:bodyPr/>
           <a:lstStyle/>
-          <a:p>
-            <a:r>
-              <a:rPr lang="en-US" altLang="ko-KR"/>
-              <a:t>Feature</a:t>
-            </a:r>
-            <a:r>
-              <a:rPr lang="ko-KR" altLang="en-US"/>
-              <a:t> 선정</a:t>
-            </a:r>
-            <a:r>
-              <a:rPr lang="en-US" altLang="ko-KR"/>
-              <a:t>, </a:t>
-            </a:r>
-            <a:r>
-              <a:rPr lang="ko-KR" altLang="en-US"/>
-              <a:t>이유</a:t>
-            </a:r>
-            <a:endParaRPr lang="en-US" altLang="ko-KR"/>
-          </a:p>
-          <a:p>
-            <a:endParaRPr lang="en-US" altLang="ko-KR"/>
-          </a:p>
-          <a:p>
-            <a:r>
-              <a:rPr lang="ko-KR" altLang="en-US"/>
-              <a:t>각 </a:t>
-            </a:r>
-            <a:r>
-              <a:rPr lang="en-US" altLang="ko-KR"/>
-              <a:t>Feature</a:t>
-            </a:r>
-            <a:r>
-              <a:rPr lang="ko-KR" altLang="en-US"/>
-              <a:t>별 특이사항</a:t>
-            </a:r>
-            <a:r>
-              <a:rPr lang="en-US" altLang="ko-KR"/>
-              <a:t>(~</a:t>
-            </a:r>
-            <a:r>
-              <a:rPr lang="ko-KR" altLang="en-US"/>
-              <a:t>율이라던가 분배한 기준 등등</a:t>
-            </a:r>
-            <a:r>
-              <a:rPr lang="en-US" altLang="ko-KR"/>
-              <a:t>)</a:t>
-            </a:r>
-          </a:p>
           <a:p>
             <a:pPr marL="0" indent="0">
               <a:buNone/>
             </a:pPr>
-            <a:endParaRPr lang="ko-KR" altLang="en-US" dirty="0"/>
-          </a:p>
-        </p:txBody>
-      </p:sp>
+            <a:r>
+              <a:rPr lang="ko-KR" altLang="en-US" dirty="0" err="1"/>
+              <a:t>식던지고</a:t>
+            </a:r>
+            <a:endParaRPr lang="en-US" altLang="ko-KR" dirty="0"/>
+          </a:p>
+          <a:p>
+            <a:pPr marL="0" indent="0">
+              <a:buNone/>
+            </a:pPr>
+            <a:endParaRPr lang="en-US" altLang="ko-KR" dirty="0"/>
+          </a:p>
+          <a:p>
+            <a:pPr marL="0" indent="0">
+              <a:buNone/>
+            </a:pPr>
+            <a:endParaRPr lang="en-US" altLang="ko-KR" dirty="0"/>
+          </a:p>
+          <a:p>
+            <a:pPr marL="0" indent="0">
+              <a:buNone/>
+            </a:pPr>
+            <a:r>
+              <a:rPr lang="ko-KR" altLang="en-US" dirty="0"/>
+              <a:t>배경설명</a:t>
+            </a:r>
+            <a:r>
+              <a:rPr lang="en-US" altLang="ko-KR" dirty="0"/>
+              <a:t>:</a:t>
+            </a:r>
+          </a:p>
+          <a:p>
+            <a:pPr marL="0" indent="0">
+              <a:buNone/>
+            </a:pPr>
+            <a:r>
+              <a:rPr lang="ko-KR" altLang="en-US" dirty="0"/>
+              <a:t>대체시설</a:t>
+            </a:r>
+            <a:r>
+              <a:rPr lang="en-US" altLang="ko-KR" dirty="0"/>
+              <a:t>?</a:t>
+            </a:r>
+          </a:p>
+          <a:p>
+            <a:pPr marL="0" indent="0">
+              <a:buNone/>
+            </a:pPr>
+            <a:endParaRPr lang="en-US" altLang="ko-KR" dirty="0"/>
+          </a:p>
+          <a:p>
+            <a:pPr marL="0" indent="0">
+              <a:buNone/>
+            </a:pPr>
+            <a:r>
+              <a:rPr lang="en-US" altLang="ko-KR" dirty="0"/>
+              <a:t>TFIDF?</a:t>
+            </a:r>
+          </a:p>
+        </p:txBody>
+      </p:sp>
+      <p:pic>
+        <p:nvPicPr>
+          <p:cNvPr id="5" name="그림 4">
+            <a:extLst>
+              <a:ext uri="{FF2B5EF4-FFF2-40B4-BE49-F238E27FC236}">
+                <a16:creationId xmlns:a16="http://schemas.microsoft.com/office/drawing/2014/main" id="{7C9DF9F1-2A87-46D9-AF49-D4E1B17B56CF}"/>
+              </a:ext>
+            </a:extLst>
+          </p:cNvPr>
+          <p:cNvPicPr>
+            <a:picLocks noChangeAspect="1"/>
+          </p:cNvPicPr>
+          <p:nvPr/>
+        </p:nvPicPr>
+        <p:blipFill>
+          <a:blip r:embed="rId2"/>
+          <a:stretch>
+            <a:fillRect/>
+          </a:stretch>
+        </p:blipFill>
+        <p:spPr>
+          <a:xfrm>
+            <a:off x="2901834" y="1825625"/>
+            <a:ext cx="2447925" cy="552450"/>
+          </a:xfrm>
+          <a:prstGeom prst="rect">
+            <a:avLst/>
+          </a:prstGeom>
+        </p:spPr>
+      </p:pic>
     </p:spTree>
     <p:extLst>
       <p:ext uri="{BB962C8B-B14F-4D97-AF65-F5344CB8AC3E}">
@@ -6223,41 +8118,45 @@
           <a:lstStyle/>
           <a:p>
             <a:r>
+              <a:rPr lang="ko-KR" altLang="en-US" dirty="0" err="1"/>
+              <a:t>돌봄필요지수</a:t>
+            </a:r>
+            <a:endParaRPr lang="ko-KR" altLang="en-US" dirty="0"/>
+          </a:p>
+        </p:txBody>
+      </p:sp>
+      <p:sp>
+        <p:nvSpPr>
+          <p:cNvPr id="3" name="내용 개체 틀 2">
+            <a:extLst>
+              <a:ext uri="{FF2B5EF4-FFF2-40B4-BE49-F238E27FC236}">
+                <a16:creationId xmlns:a16="http://schemas.microsoft.com/office/drawing/2014/main" id="{62C4ACB3-65B5-4F03-9AB8-5D48E7257DDC}"/>
+              </a:ext>
+            </a:extLst>
+          </p:cNvPr>
+          <p:cNvSpPr>
+            <a:spLocks noGrp="1"/>
+          </p:cNvSpPr>
+          <p:nvPr>
+            <p:ph idx="1"/>
+          </p:nvPr>
+        </p:nvSpPr>
+        <p:spPr/>
+        <p:txBody>
+          <a:bodyPr/>
+          <a:lstStyle/>
+          <a:p>
+            <a:r>
               <a:rPr lang="ko-KR" altLang="en-US" dirty="0"/>
-              <a:t>데이터 </a:t>
+              <a:t>사용한 데이터 </a:t>
             </a:r>
             <a:r>
               <a:rPr lang="en-US" altLang="ko-KR" dirty="0"/>
-              <a:t>EDA</a:t>
-            </a:r>
-            <a:endParaRPr lang="ko-KR" altLang="en-US" dirty="0"/>
-          </a:p>
-        </p:txBody>
-      </p:sp>
-      <p:sp>
-        <p:nvSpPr>
-          <p:cNvPr id="3" name="내용 개체 틀 2">
-            <a:extLst>
-              <a:ext uri="{FF2B5EF4-FFF2-40B4-BE49-F238E27FC236}">
-                <a16:creationId xmlns:a16="http://schemas.microsoft.com/office/drawing/2014/main" id="{62C4ACB3-65B5-4F03-9AB8-5D48E7257DDC}"/>
-              </a:ext>
-            </a:extLst>
-          </p:cNvPr>
-          <p:cNvSpPr>
-            <a:spLocks noGrp="1"/>
-          </p:cNvSpPr>
-          <p:nvPr>
-            <p:ph idx="1"/>
-          </p:nvPr>
-        </p:nvSpPr>
-        <p:spPr/>
-        <p:txBody>
-          <a:bodyPr/>
-          <a:lstStyle/>
-          <a:p>
+              <a:t>EDA, </a:t>
+            </a:r>
             <a:r>
               <a:rPr lang="ko-KR" altLang="en-US" dirty="0"/>
-              <a:t>최종 데이터</a:t>
+              <a:t>의미 설명</a:t>
             </a:r>
           </a:p>
         </p:txBody>
@@ -6297,7 +8196,7 @@
           <p:cNvPr id="2" name="제목 1">
             <a:extLst>
               <a:ext uri="{FF2B5EF4-FFF2-40B4-BE49-F238E27FC236}">
-                <a16:creationId xmlns:a16="http://schemas.microsoft.com/office/drawing/2014/main" id="{656447A5-5F91-4E3A-9ABB-512BECB06527}"/>
+                <a16:creationId xmlns:a16="http://schemas.microsoft.com/office/drawing/2014/main" id="{938E3E22-193F-45B7-910D-47FDE9453B66}"/>
               </a:ext>
             </a:extLst>
           </p:cNvPr>
@@ -6315,7 +8214,7 @@
           <a:p>
             <a:r>
               <a:rPr lang="ko-KR" altLang="en-US" dirty="0"/>
-              <a:t>모델 </a:t>
+              <a:t>지수바탕 시각화</a:t>
             </a:r>
           </a:p>
         </p:txBody>
@@ -6325,7 +8224,7 @@
           <p:cNvPr id="3" name="내용 개체 틀 2">
             <a:extLst>
               <a:ext uri="{FF2B5EF4-FFF2-40B4-BE49-F238E27FC236}">
-                <a16:creationId xmlns:a16="http://schemas.microsoft.com/office/drawing/2014/main" id="{62C4ACB3-65B5-4F03-9AB8-5D48E7257DDC}"/>
+                <a16:creationId xmlns:a16="http://schemas.microsoft.com/office/drawing/2014/main" id="{865C4C0C-EC77-4A44-BD38-6EE61EA984A1}"/>
               </a:ext>
             </a:extLst>
           </p:cNvPr>
@@ -6343,16 +8242,31 @@
           <a:p>
             <a:r>
               <a:rPr lang="ko-KR" altLang="en-US" dirty="0"/>
-              <a:t>모델 소개</a:t>
-            </a:r>
-            <a:endParaRPr lang="en-US" altLang="ko-KR" dirty="0"/>
+              <a:t>지도에 높은 지수는 빨갛게 </a:t>
+            </a:r>
+            <a:r>
+              <a:rPr lang="ko-KR" altLang="en-US" dirty="0" err="1"/>
+              <a:t>낮은지수는</a:t>
+            </a:r>
+            <a:r>
+              <a:rPr lang="ko-KR" altLang="en-US" dirty="0"/>
+              <a:t> 파랗게 </a:t>
+            </a:r>
+            <a:r>
+              <a:rPr lang="ko-KR" altLang="en-US" dirty="0" err="1"/>
+              <a:t>이런식으로</a:t>
+            </a:r>
+            <a:r>
+              <a:rPr lang="ko-KR" altLang="en-US" dirty="0"/>
+              <a:t> 시각화 후 보여주기</a:t>
+            </a:r>
           </a:p>
         </p:txBody>
       </p:sp>
     </p:spTree>
     <p:extLst>
       <p:ext uri="{BB962C8B-B14F-4D97-AF65-F5344CB8AC3E}">
-        <p14:creationId xmlns:p14="http://schemas.microsoft.com/office/powerpoint/2010/main" val="2818443609"/>
+        <p14:creationId xmlns:p14="http://schemas.microsoft.com/office/powerpoint/2010/main" val="3931295042"/>
       </p:ext>
     </p:extLst>
   </p:cSld>
@@ -6402,7 +8316,7 @@
           <a:p>
             <a:r>
               <a:rPr lang="ko-KR" altLang="en-US" dirty="0"/>
-              <a:t>모델 </a:t>
+              <a:t>틈새 </a:t>
             </a:r>
           </a:p>
         </p:txBody>
@@ -6430,31 +8344,54 @@
           <a:p>
             <a:r>
               <a:rPr lang="ko-KR" altLang="en-US" dirty="0"/>
-              <a:t>각 </a:t>
-            </a:r>
+              <a:t>행안부에서는 돌봄이 필요한 아이들 전체를 타겟으로 두었지만 </a:t>
+            </a:r>
+            <a:endParaRPr lang="en-US" altLang="ko-KR" dirty="0"/>
+          </a:p>
+          <a:p>
+            <a:r>
+              <a:rPr lang="ko-KR" altLang="en-US" dirty="0"/>
+              <a:t>우리는 더 자세히 들어간다는 어필을 하거나</a:t>
+            </a:r>
+            <a:endParaRPr lang="en-US" altLang="ko-KR" dirty="0"/>
+          </a:p>
+          <a:p>
+            <a:endParaRPr lang="en-US" altLang="ko-KR" dirty="0"/>
+          </a:p>
+          <a:p>
             <a:r>
               <a:rPr lang="ko-KR" altLang="en-US" dirty="0" err="1"/>
-              <a:t>모델별</a:t>
+              <a:t>행안부</a:t>
             </a:r>
             <a:r>
               <a:rPr lang="ko-KR" altLang="en-US" dirty="0"/>
-              <a:t> 점수</a:t>
-            </a:r>
-            <a:r>
-              <a:rPr lang="en-US" altLang="ko-KR" dirty="0"/>
-              <a:t>, </a:t>
-            </a:r>
+              <a:t> 모르는 척할거면 틈새라는 개념에 우리가 </a:t>
+            </a:r>
+            <a:r>
+              <a:rPr lang="ko-KR" altLang="en-US" dirty="0" err="1"/>
+              <a:t>포인트잡아서</a:t>
+            </a:r>
+            <a:endParaRPr lang="en-US" altLang="ko-KR" dirty="0"/>
+          </a:p>
+          <a:p>
             <a:r>
               <a:rPr lang="ko-KR" altLang="en-US" dirty="0"/>
-              <a:t>시각화</a:t>
-            </a:r>
+              <a:t>다른 분석들과 차별화 된 것을 어필하기</a:t>
+            </a:r>
+            <a:endParaRPr lang="en-US" altLang="ko-KR" dirty="0"/>
+          </a:p>
+          <a:p>
+            <a:endParaRPr lang="en-US" altLang="ko-KR" dirty="0"/>
+          </a:p>
+          <a:p>
+            <a:endParaRPr lang="en-US" altLang="ko-KR" dirty="0"/>
           </a:p>
         </p:txBody>
       </p:sp>
     </p:spTree>
     <p:extLst>
       <p:ext uri="{BB962C8B-B14F-4D97-AF65-F5344CB8AC3E}">
-        <p14:creationId xmlns:p14="http://schemas.microsoft.com/office/powerpoint/2010/main" val="2833358851"/>
+        <p14:creationId xmlns:p14="http://schemas.microsoft.com/office/powerpoint/2010/main" val="2818443609"/>
       </p:ext>
     </p:extLst>
   </p:cSld>
@@ -6504,7 +8441,7 @@
           <a:p>
             <a:r>
               <a:rPr lang="ko-KR" altLang="en-US" dirty="0"/>
-              <a:t>모델</a:t>
+              <a:t>틈새 </a:t>
             </a:r>
           </a:p>
         </p:txBody>
@@ -6532,7 +8469,7 @@
           <a:p>
             <a:r>
               <a:rPr lang="ko-KR" altLang="en-US" dirty="0"/>
-              <a:t>모델 결과 분석</a:t>
+              <a:t>라면</a:t>
             </a:r>
           </a:p>
         </p:txBody>
@@ -6540,7 +8477,7 @@
     </p:spTree>
     <p:extLst>
       <p:ext uri="{BB962C8B-B14F-4D97-AF65-F5344CB8AC3E}">
-        <p14:creationId xmlns:p14="http://schemas.microsoft.com/office/powerpoint/2010/main" val="2699241355"/>
+        <p14:creationId xmlns:p14="http://schemas.microsoft.com/office/powerpoint/2010/main" val="2833358851"/>
       </p:ext>
     </p:extLst>
   </p:cSld>
@@ -6843,4 +8780,299 @@
     </a:ext>
   </a:extLst>
 </a:theme>
+</file>
+
+<file path=ppt/theme/theme2.xml><?xml version="1.0" encoding="utf-8"?>
+<a:theme xmlns:a="http://schemas.openxmlformats.org/drawingml/2006/main" name="Office 테마">
+  <a:themeElements>
+    <a:clrScheme name="Office">
+      <a:dk1>
+        <a:sysClr val="windowText" lastClr="000000"/>
+      </a:dk1>
+      <a:lt1>
+        <a:sysClr val="window" lastClr="FFFFFF"/>
+      </a:lt1>
+      <a:dk2>
+        <a:srgbClr val="44546A"/>
+      </a:dk2>
+      <a:lt2>
+        <a:srgbClr val="E7E6E6"/>
+      </a:lt2>
+      <a:accent1>
+        <a:srgbClr val="4472C4"/>
+      </a:accent1>
+      <a:accent2>
+        <a:srgbClr val="ED7D31"/>
+      </a:accent2>
+      <a:accent3>
+        <a:srgbClr val="A5A5A5"/>
+      </a:accent3>
+      <a:accent4>
+        <a:srgbClr val="FFC000"/>
+      </a:accent4>
+      <a:accent5>
+        <a:srgbClr val="5B9BD5"/>
+      </a:accent5>
+      <a:accent6>
+        <a:srgbClr val="70AD47"/>
+      </a:accent6>
+      <a:hlink>
+        <a:srgbClr val="0563C1"/>
+      </a:hlink>
+      <a:folHlink>
+        <a:srgbClr val="954F72"/>
+      </a:folHlink>
+    </a:clrScheme>
+    <a:fontScheme name="Office">
+      <a:majorFont>
+        <a:latin typeface="맑은 고딕" panose="020F0302020204030204"/>
+        <a:ea typeface=""/>
+        <a:cs typeface=""/>
+        <a:font script="Jpan" typeface="游ゴシック Light"/>
+        <a:font script="Hang" typeface="맑은 고딕"/>
+        <a:font script="Hans" typeface="等线 Light"/>
+        <a:font script="Hant" typeface="新細明體"/>
+        <a:font script="Arab" typeface="Times New Roman"/>
+        <a:font script="Hebr" typeface="Times New Roman"/>
+        <a:font script="Thai" typeface="Angsana New"/>
+        <a:font script="Ethi" typeface="Nyala"/>
+        <a:font script="Beng" typeface="Vrinda"/>
+        <a:font script="Gujr" typeface="Shruti"/>
+        <a:font script="Khmr" typeface="MoolBoran"/>
+        <a:font script="Knda" typeface="Tunga"/>
+        <a:font script="Guru" typeface="Raavi"/>
+        <a:font script="Cans" typeface="Euphemia"/>
+        <a:font script="Cher" typeface="Plantagenet Cherokee"/>
+        <a:font script="Yiii" typeface="Microsoft Yi Baiti"/>
+        <a:font script="Tibt" typeface="Microsoft Himalaya"/>
+        <a:font script="Thaa" typeface="MV Boli"/>
+        <a:font script="Deva" typeface="Mangal"/>
+        <a:font script="Telu" typeface="Gautami"/>
+        <a:font script="Taml" typeface="Latha"/>
+        <a:font script="Syrc" typeface="Estrangelo Edessa"/>
+        <a:font script="Orya" typeface="Kalinga"/>
+        <a:font script="Mlym" typeface="Kartika"/>
+        <a:font script="Laoo" typeface="DokChampa"/>
+        <a:font script="Sinh" typeface="Iskoola Pota"/>
+        <a:font script="Mong" typeface="Mongolian Baiti"/>
+        <a:font script="Viet" typeface="Times New Roman"/>
+        <a:font script="Uigh" typeface="Microsoft Uighur"/>
+        <a:font script="Geor" typeface="Sylfaen"/>
+        <a:font script="Armn" typeface="Arial"/>
+        <a:font script="Bugi" typeface="Leelawadee UI"/>
+        <a:font script="Bopo" typeface="Microsoft JhengHei"/>
+        <a:font script="Java" typeface="Javanese Text"/>
+        <a:font script="Lisu" typeface="Segoe UI"/>
+        <a:font script="Mymr" typeface="Myanmar Text"/>
+        <a:font script="Nkoo" typeface="Ebrima"/>
+        <a:font script="Olck" typeface="Nirmala UI"/>
+        <a:font script="Osma" typeface="Ebrima"/>
+        <a:font script="Phag" typeface="Phagspa"/>
+        <a:font script="Syrn" typeface="Estrangelo Edessa"/>
+        <a:font script="Syrj" typeface="Estrangelo Edessa"/>
+        <a:font script="Syre" typeface="Estrangelo Edessa"/>
+        <a:font script="Sora" typeface="Nirmala UI"/>
+        <a:font script="Tale" typeface="Microsoft Tai Le"/>
+        <a:font script="Talu" typeface="Microsoft New Tai Lue"/>
+        <a:font script="Tfng" typeface="Ebrima"/>
+      </a:majorFont>
+      <a:minorFont>
+        <a:latin typeface="맑은 고딕" panose="020F0502020204030204"/>
+        <a:ea typeface=""/>
+        <a:cs typeface=""/>
+        <a:font script="Jpan" typeface="游ゴシック"/>
+        <a:font script="Hang" typeface="맑은 고딕"/>
+        <a:font script="Hans" typeface="等线"/>
+        <a:font script="Hant" typeface="新細明體"/>
+        <a:font script="Arab" typeface="Arial"/>
+        <a:font script="Hebr" typeface="Arial"/>
+        <a:font script="Thai" typeface="Cordia New"/>
+        <a:font script="Ethi" typeface="Nyala"/>
+        <a:font script="Beng" typeface="Vrinda"/>
+        <a:font script="Gujr" typeface="Shruti"/>
+        <a:font script="Khmr" typeface="DaunPenh"/>
+        <a:font script="Knda" typeface="Tunga"/>
+        <a:font script="Guru" typeface="Raavi"/>
+        <a:font script="Cans" typeface="Euphemia"/>
+        <a:font script="Cher" typeface="Plantagenet Cherokee"/>
+        <a:font script="Yiii" typeface="Microsoft Yi Baiti"/>
+        <a:font script="Tibt" typeface="Microsoft Himalaya"/>
+        <a:font script="Thaa" typeface="MV Boli"/>
+        <a:font script="Deva" typeface="Mangal"/>
+        <a:font script="Telu" typeface="Gautami"/>
+        <a:font script="Taml" typeface="Latha"/>
+        <a:font script="Syrc" typeface="Estrangelo Edessa"/>
+        <a:font script="Orya" typeface="Kalinga"/>
+        <a:font script="Mlym" typeface="Kartika"/>
+        <a:font script="Laoo" typeface="DokChampa"/>
+        <a:font script="Sinh" typeface="Iskoola Pota"/>
+        <a:font script="Mong" typeface="Mongolian Baiti"/>
+        <a:font script="Viet" typeface="Arial"/>
+        <a:font script="Uigh" typeface="Microsoft Uighur"/>
+        <a:font script="Geor" typeface="Sylfaen"/>
+        <a:font script="Armn" typeface="Arial"/>
+        <a:font script="Bugi" typeface="Leelawadee UI"/>
+        <a:font script="Bopo" typeface="Microsoft JhengHei"/>
+        <a:font script="Java" typeface="Javanese Text"/>
+        <a:font script="Lisu" typeface="Segoe UI"/>
+        <a:font script="Mymr" typeface="Myanmar Text"/>
+        <a:font script="Nkoo" typeface="Ebrima"/>
+        <a:font script="Olck" typeface="Nirmala UI"/>
+        <a:font script="Osma" typeface="Ebrima"/>
+        <a:font script="Phag" typeface="Phagspa"/>
+        <a:font script="Syrn" typeface="Estrangelo Edessa"/>
+        <a:font script="Syrj" typeface="Estrangelo Edessa"/>
+        <a:font script="Syre" typeface="Estrangelo Edessa"/>
+        <a:font script="Sora" typeface="Nirmala UI"/>
+        <a:font script="Tale" typeface="Microsoft Tai Le"/>
+        <a:font script="Talu" typeface="Microsoft New Tai Lue"/>
+        <a:font script="Tfng" typeface="Ebrima"/>
+      </a:minorFont>
+    </a:fontScheme>
+    <a:fmtScheme name="Office">
+      <a:fillStyleLst>
+        <a:solidFill>
+          <a:schemeClr val="phClr"/>
+        </a:solidFill>
+        <a:gradFill rotWithShape="1">
+          <a:gsLst>
+            <a:gs pos="0">
+              <a:schemeClr val="phClr">
+                <a:lumMod val="110000"/>
+                <a:satMod val="105000"/>
+                <a:tint val="67000"/>
+              </a:schemeClr>
+            </a:gs>
+            <a:gs pos="50000">
+              <a:schemeClr val="phClr">
+                <a:lumMod val="105000"/>
+                <a:satMod val="103000"/>
+                <a:tint val="73000"/>
+              </a:schemeClr>
+            </a:gs>
+            <a:gs pos="100000">
+              <a:schemeClr val="phClr">
+                <a:lumMod val="105000"/>
+                <a:satMod val="109000"/>
+                <a:tint val="81000"/>
+              </a:schemeClr>
+            </a:gs>
+          </a:gsLst>
+          <a:lin ang="5400000" scaled="0"/>
+        </a:gradFill>
+        <a:gradFill rotWithShape="1">
+          <a:gsLst>
+            <a:gs pos="0">
+              <a:schemeClr val="phClr">
+                <a:satMod val="103000"/>
+                <a:lumMod val="102000"/>
+                <a:tint val="94000"/>
+              </a:schemeClr>
+            </a:gs>
+            <a:gs pos="50000">
+              <a:schemeClr val="phClr">
+                <a:satMod val="110000"/>
+                <a:lumMod val="100000"/>
+                <a:shade val="100000"/>
+              </a:schemeClr>
+            </a:gs>
+            <a:gs pos="100000">
+              <a:schemeClr val="phClr">
+                <a:lumMod val="99000"/>
+                <a:satMod val="120000"/>
+                <a:shade val="78000"/>
+              </a:schemeClr>
+            </a:gs>
+          </a:gsLst>
+          <a:lin ang="5400000" scaled="0"/>
+        </a:gradFill>
+      </a:fillStyleLst>
+      <a:lnStyleLst>
+        <a:ln w="6350" cap="flat" cmpd="sng" algn="ctr">
+          <a:solidFill>
+            <a:schemeClr val="phClr"/>
+          </a:solidFill>
+          <a:prstDash val="solid"/>
+          <a:miter lim="800000"/>
+        </a:ln>
+        <a:ln w="12700" cap="flat" cmpd="sng" algn="ctr">
+          <a:solidFill>
+            <a:schemeClr val="phClr"/>
+          </a:solidFill>
+          <a:prstDash val="solid"/>
+          <a:miter lim="800000"/>
+        </a:ln>
+        <a:ln w="19050" cap="flat" cmpd="sng" algn="ctr">
+          <a:solidFill>
+            <a:schemeClr val="phClr"/>
+          </a:solidFill>
+          <a:prstDash val="solid"/>
+          <a:miter lim="800000"/>
+        </a:ln>
+      </a:lnStyleLst>
+      <a:effectStyleLst>
+        <a:effectStyle>
+          <a:effectLst/>
+        </a:effectStyle>
+        <a:effectStyle>
+          <a:effectLst/>
+        </a:effectStyle>
+        <a:effectStyle>
+          <a:effectLst>
+            <a:outerShdw blurRad="57150" dist="19050" dir="5400000" algn="ctr" rotWithShape="0">
+              <a:srgbClr val="000000">
+                <a:alpha val="63000"/>
+              </a:srgbClr>
+            </a:outerShdw>
+          </a:effectLst>
+        </a:effectStyle>
+      </a:effectStyleLst>
+      <a:bgFillStyleLst>
+        <a:solidFill>
+          <a:schemeClr val="phClr"/>
+        </a:solidFill>
+        <a:solidFill>
+          <a:schemeClr val="phClr">
+            <a:tint val="95000"/>
+            <a:satMod val="170000"/>
+          </a:schemeClr>
+        </a:solidFill>
+        <a:gradFill rotWithShape="1">
+          <a:gsLst>
+            <a:gs pos="0">
+              <a:schemeClr val="phClr">
+                <a:tint val="93000"/>
+                <a:satMod val="150000"/>
+                <a:shade val="98000"/>
+                <a:lumMod val="102000"/>
+              </a:schemeClr>
+            </a:gs>
+            <a:gs pos="50000">
+              <a:schemeClr val="phClr">
+                <a:tint val="98000"/>
+                <a:satMod val="130000"/>
+                <a:shade val="90000"/>
+                <a:lumMod val="103000"/>
+              </a:schemeClr>
+            </a:gs>
+            <a:gs pos="100000">
+              <a:schemeClr val="phClr">
+                <a:shade val="63000"/>
+                <a:satMod val="120000"/>
+              </a:schemeClr>
+            </a:gs>
+          </a:gsLst>
+          <a:lin ang="5400000" scaled="0"/>
+        </a:gradFill>
+      </a:bgFillStyleLst>
+    </a:fmtScheme>
+  </a:themeElements>
+  <a:objectDefaults/>
+  <a:extraClrSchemeLst/>
+  <a:extLst>
+    <a:ext uri="{05A4C25C-085E-4340-85A3-A5531E510DB2}">
+      <thm15:themeFamily xmlns:thm15="http://schemas.microsoft.com/office/thememl/2012/main" name="Office Theme" id="{62F939B6-93AF-4DB8-9C6B-D6C7DFDC589F}" vid="{4A3C46E8-61CC-4603-A589-7422A47A8E4A}"/>
+    </a:ext>
+  </a:extLst>
+</a:theme>
 </file>